--- a/06.pptx
+++ b/06.pptx
@@ -217,7 +217,7 @@
           <a:p>
             <a:fld id="{AA93C23F-80D8-41F7-A602-5BAA4D96D6F7}" type="datetimeFigureOut">
               <a:rPr lang="ko-KR" altLang="en-US" smtClean="0"/>
-              <a:t>2019-12-21</a:t>
+              <a:t>2025-03-15</a:t>
             </a:fld>
             <a:endParaRPr lang="ko-KR" altLang="en-US"/>
           </a:p>
@@ -1074,7 +1074,7 @@
           <a:p>
             <a:fld id="{AA93C23F-80D8-41F7-A602-5BAA4D96D6F7}" type="datetimeFigureOut">
               <a:rPr lang="ko-KR" altLang="en-US" smtClean="0"/>
-              <a:t>2019-12-21</a:t>
+              <a:t>2025-03-15</a:t>
             </a:fld>
             <a:endParaRPr lang="ko-KR" altLang="en-US"/>
           </a:p>
@@ -1252,7 +1252,7 @@
           <a:p>
             <a:fld id="{AA93C23F-80D8-41F7-A602-5BAA4D96D6F7}" type="datetimeFigureOut">
               <a:rPr lang="ko-KR" altLang="en-US" smtClean="0"/>
-              <a:t>2019-12-21</a:t>
+              <a:t>2025-03-15</a:t>
             </a:fld>
             <a:endParaRPr lang="ko-KR" altLang="en-US"/>
           </a:p>
@@ -1447,7 +1447,7 @@
                 <a:tabLst/>
                 <a:defRPr/>
               </a:pPr>
-              <a:t>2019-12-20</a:t>
+              <a:t>2025-03-15</a:t>
             </a:fld>
             <a:endParaRPr kumimoji="0" lang="ko-KR" altLang="en-US" sz="1200" b="0" i="0" u="none" strike="noStrike" kern="1200" cap="none" spc="0" normalizeH="0" baseline="0" noProof="0">
               <a:ln>
@@ -1962,7 +1962,7 @@
                 <a:tabLst/>
                 <a:defRPr/>
               </a:pPr>
-              <a:t>2019-12-20</a:t>
+              <a:t>2025-03-15</a:t>
             </a:fld>
             <a:endParaRPr kumimoji="0" lang="ko-KR" altLang="en-US" sz="1200" b="0" i="0" u="none" strike="noStrike" kern="1200" cap="none" spc="0" normalizeH="0" baseline="0" noProof="0">
               <a:ln>
@@ -2367,7 +2367,7 @@
                 <a:tabLst/>
                 <a:defRPr/>
               </a:pPr>
-              <a:t>2019-12-20</a:t>
+              <a:t>2025-03-15</a:t>
             </a:fld>
             <a:endParaRPr kumimoji="0" lang="ko-KR" altLang="en-US" sz="1200" b="0" i="0" u="none" strike="noStrike" kern="1200" cap="none" spc="0" normalizeH="0" baseline="0" noProof="0">
               <a:ln>
@@ -2756,7 +2756,7 @@
                 <a:tabLst/>
                 <a:defRPr/>
               </a:pPr>
-              <a:t>2019-12-20</a:t>
+              <a:t>2025-03-15</a:t>
             </a:fld>
             <a:endParaRPr kumimoji="0" lang="ko-KR" altLang="en-US" sz="1200" b="0" i="0" u="none" strike="noStrike" kern="1200" cap="none" spc="0" normalizeH="0" baseline="0" noProof="0">
               <a:ln>
@@ -3280,7 +3280,7 @@
                 <a:tabLst/>
                 <a:defRPr/>
               </a:pPr>
-              <a:t>2019-12-20</a:t>
+              <a:t>2025-03-15</a:t>
             </a:fld>
             <a:endParaRPr kumimoji="0" lang="ko-KR" altLang="en-US" sz="1200" b="0" i="0" u="none" strike="noStrike" kern="1200" cap="none" spc="0" normalizeH="0" baseline="0" noProof="0">
               <a:ln>
@@ -3557,7 +3557,7 @@
                 <a:tabLst/>
                 <a:defRPr/>
               </a:pPr>
-              <a:t>2019-12-20</a:t>
+              <a:t>2025-03-15</a:t>
             </a:fld>
             <a:endParaRPr kumimoji="0" lang="ko-KR" altLang="en-US" sz="1200" b="0" i="0" u="none" strike="noStrike" kern="1200" cap="none" spc="0" normalizeH="0" baseline="0" noProof="0">
               <a:ln>
@@ -3812,7 +3812,7 @@
                 <a:tabLst/>
                 <a:defRPr/>
               </a:pPr>
-              <a:t>2019-12-20</a:t>
+              <a:t>2025-03-15</a:t>
             </a:fld>
             <a:endParaRPr kumimoji="0" lang="ko-KR" altLang="en-US" sz="1200" b="0" i="0" u="none" strike="noStrike" kern="1200" cap="none" spc="0" normalizeH="0" baseline="0" noProof="0">
               <a:ln>
@@ -4247,7 +4247,7 @@
                 <a:tabLst/>
                 <a:defRPr/>
               </a:pPr>
-              <a:t>2019-12-20</a:t>
+              <a:t>2025-03-15</a:t>
             </a:fld>
             <a:endParaRPr kumimoji="0" lang="ko-KR" altLang="en-US" sz="1200" b="0" i="0" u="none" strike="noStrike" kern="1200" cap="none" spc="0" normalizeH="0" baseline="0" noProof="0">
               <a:ln>
@@ -4542,7 +4542,7 @@
           <a:p>
             <a:fld id="{AA93C23F-80D8-41F7-A602-5BAA4D96D6F7}" type="datetimeFigureOut">
               <a:rPr lang="ko-KR" altLang="en-US" smtClean="0"/>
-              <a:t>2019-12-21</a:t>
+              <a:t>2025-03-15</a:t>
             </a:fld>
             <a:endParaRPr lang="ko-KR" altLang="en-US"/>
           </a:p>
@@ -4843,7 +4843,7 @@
                 <a:tabLst/>
                 <a:defRPr/>
               </a:pPr>
-              <a:t>2019-12-20</a:t>
+              <a:t>2025-03-15</a:t>
             </a:fld>
             <a:endParaRPr kumimoji="0" lang="ko-KR" altLang="en-US" sz="1200" b="0" i="0" u="none" strike="noStrike" kern="1200" cap="none" spc="0" normalizeH="0" baseline="0" noProof="0">
               <a:ln>
@@ -5171,7 +5171,7 @@
                 <a:tabLst/>
                 <a:defRPr/>
               </a:pPr>
-              <a:t>2019-12-20</a:t>
+              <a:t>2025-03-15</a:t>
             </a:fld>
             <a:endParaRPr kumimoji="0" lang="ko-KR" altLang="en-US" sz="1200" b="0" i="0" u="none" strike="noStrike" kern="1200" cap="none" spc="0" normalizeH="0" baseline="0" noProof="0">
               <a:ln>
@@ -5509,7 +5509,7 @@
                 <a:tabLst/>
                 <a:defRPr/>
               </a:pPr>
-              <a:t>2019-12-20</a:t>
+              <a:t>2025-03-15</a:t>
             </a:fld>
             <a:endParaRPr kumimoji="0" lang="ko-KR" altLang="en-US" sz="1200" b="0" i="0" u="none" strike="noStrike" kern="1200" cap="none" spc="0" normalizeH="0" baseline="0" noProof="0">
               <a:ln>
@@ -5865,7 +5865,7 @@
           <a:p>
             <a:fld id="{AA93C23F-80D8-41F7-A602-5BAA4D96D6F7}" type="datetimeFigureOut">
               <a:rPr lang="ko-KR" altLang="en-US" smtClean="0"/>
-              <a:t>2019-12-21</a:t>
+              <a:t>2025-03-15</a:t>
             </a:fld>
             <a:endParaRPr lang="ko-KR" altLang="en-US"/>
           </a:p>
@@ -6094,7 +6094,7 @@
           <a:p>
             <a:fld id="{AA93C23F-80D8-41F7-A602-5BAA4D96D6F7}" type="datetimeFigureOut">
               <a:rPr lang="ko-KR" altLang="en-US" smtClean="0"/>
-              <a:t>2019-12-21</a:t>
+              <a:t>2025-03-15</a:t>
             </a:fld>
             <a:endParaRPr lang="ko-KR" altLang="en-US"/>
           </a:p>
@@ -6458,7 +6458,7 @@
           <a:p>
             <a:fld id="{AA93C23F-80D8-41F7-A602-5BAA4D96D6F7}" type="datetimeFigureOut">
               <a:rPr lang="ko-KR" altLang="en-US" smtClean="0"/>
-              <a:t>2019-12-21</a:t>
+              <a:t>2025-03-15</a:t>
             </a:fld>
             <a:endParaRPr lang="ko-KR" altLang="en-US"/>
           </a:p>
@@ -6575,7 +6575,7 @@
           <a:p>
             <a:fld id="{AA93C23F-80D8-41F7-A602-5BAA4D96D6F7}" type="datetimeFigureOut">
               <a:rPr lang="ko-KR" altLang="en-US" smtClean="0"/>
-              <a:t>2019-12-21</a:t>
+              <a:t>2025-03-15</a:t>
             </a:fld>
             <a:endParaRPr lang="ko-KR" altLang="en-US"/>
           </a:p>
@@ -6670,7 +6670,7 @@
           <a:p>
             <a:fld id="{AA93C23F-80D8-41F7-A602-5BAA4D96D6F7}" type="datetimeFigureOut">
               <a:rPr lang="ko-KR" altLang="en-US" smtClean="0"/>
-              <a:t>2019-12-21</a:t>
+              <a:t>2025-03-15</a:t>
             </a:fld>
             <a:endParaRPr lang="ko-KR" altLang="en-US"/>
           </a:p>
@@ -6945,7 +6945,7 @@
           <a:p>
             <a:fld id="{AA93C23F-80D8-41F7-A602-5BAA4D96D6F7}" type="datetimeFigureOut">
               <a:rPr lang="ko-KR" altLang="en-US" smtClean="0"/>
-              <a:t>2019-12-21</a:t>
+              <a:t>2025-03-15</a:t>
             </a:fld>
             <a:endParaRPr lang="ko-KR" altLang="en-US"/>
           </a:p>
@@ -7200,7 +7200,7 @@
           <a:p>
             <a:fld id="{AA93C23F-80D8-41F7-A602-5BAA4D96D6F7}" type="datetimeFigureOut">
               <a:rPr lang="ko-KR" altLang="en-US" smtClean="0"/>
-              <a:t>2019-12-21</a:t>
+              <a:t>2025-03-15</a:t>
             </a:fld>
             <a:endParaRPr lang="ko-KR" altLang="en-US"/>
           </a:p>
@@ -7411,7 +7411,7 @@
           <a:p>
             <a:fld id="{AA93C23F-80D8-41F7-A602-5BAA4D96D6F7}" type="datetimeFigureOut">
               <a:rPr lang="ko-KR" altLang="en-US" smtClean="0"/>
-              <a:t>2019-12-21</a:t>
+              <a:t>2025-03-15</a:t>
             </a:fld>
             <a:endParaRPr lang="ko-KR" altLang="en-US"/>
           </a:p>
@@ -8146,7 +8146,7 @@
                 <a:tabLst/>
                 <a:defRPr/>
               </a:pPr>
-              <a:t>2019-12-21</a:t>
+              <a:t>2025-03-15</a:t>
             </a:fld>
             <a:endParaRPr kumimoji="0" lang="ko-KR" altLang="en-US" sz="1200" b="0" i="0" u="none" strike="noStrike" kern="1200" cap="none" spc="0" normalizeH="0" baseline="0" noProof="0">
               <a:ln>
@@ -10441,6 +10441,144 @@
           </a:prstGeom>
         </p:spPr>
       </p:pic>
+      <p:sp>
+        <p:nvSpPr>
+          <p:cNvPr id="9" name="TextBox 11">
+            <a:extLst>
+              <a:ext uri="{FF2B5EF4-FFF2-40B4-BE49-F238E27FC236}">
+                <a16:creationId xmlns:a16="http://schemas.microsoft.com/office/drawing/2014/main" id="{095B7338-64B0-4417-A1A2-93268718675F}"/>
+              </a:ext>
+            </a:extLst>
+          </p:cNvPr>
+          <p:cNvSpPr txBox="1"/>
+          <p:nvPr/>
+        </p:nvSpPr>
+        <p:spPr>
+          <a:xfrm>
+            <a:off x="10787421" y="354630"/>
+            <a:ext cx="667170" cy="338554"/>
+          </a:xfrm>
+          <a:prstGeom prst="rect">
+            <a:avLst/>
+          </a:prstGeom>
+          <a:noFill/>
+        </p:spPr>
+        <p:txBody>
+          <a:bodyPr wrap="none" rtlCol="0">
+            <a:spAutoFit/>
+          </a:bodyPr>
+          <a:lstStyle>
+            <a:defPPr>
+              <a:defRPr lang="ko-KR"/>
+            </a:defPPr>
+            <a:lvl1pPr marL="0" algn="l" defTabSz="914400" rtl="0" eaLnBrk="1" latinLnBrk="1" hangingPunct="1">
+              <a:defRPr sz="1800" kern="1200">
+                <a:solidFill>
+                  <a:schemeClr val="tx1"/>
+                </a:solidFill>
+                <a:latin typeface="+mn-lt"/>
+                <a:ea typeface="+mn-ea"/>
+                <a:cs typeface="+mn-cs"/>
+              </a:defRPr>
+            </a:lvl1pPr>
+            <a:lvl2pPr marL="457200" algn="l" defTabSz="914400" rtl="0" eaLnBrk="1" latinLnBrk="1" hangingPunct="1">
+              <a:defRPr sz="1800" kern="1200">
+                <a:solidFill>
+                  <a:schemeClr val="tx1"/>
+                </a:solidFill>
+                <a:latin typeface="+mn-lt"/>
+                <a:ea typeface="+mn-ea"/>
+                <a:cs typeface="+mn-cs"/>
+              </a:defRPr>
+            </a:lvl2pPr>
+            <a:lvl3pPr marL="914400" algn="l" defTabSz="914400" rtl="0" eaLnBrk="1" latinLnBrk="1" hangingPunct="1">
+              <a:defRPr sz="1800" kern="1200">
+                <a:solidFill>
+                  <a:schemeClr val="tx1"/>
+                </a:solidFill>
+                <a:latin typeface="+mn-lt"/>
+                <a:ea typeface="+mn-ea"/>
+                <a:cs typeface="+mn-cs"/>
+              </a:defRPr>
+            </a:lvl3pPr>
+            <a:lvl4pPr marL="1371600" algn="l" defTabSz="914400" rtl="0" eaLnBrk="1" latinLnBrk="1" hangingPunct="1">
+              <a:defRPr sz="1800" kern="1200">
+                <a:solidFill>
+                  <a:schemeClr val="tx1"/>
+                </a:solidFill>
+                <a:latin typeface="+mn-lt"/>
+                <a:ea typeface="+mn-ea"/>
+                <a:cs typeface="+mn-cs"/>
+              </a:defRPr>
+            </a:lvl4pPr>
+            <a:lvl5pPr marL="1828800" algn="l" defTabSz="914400" rtl="0" eaLnBrk="1" latinLnBrk="1" hangingPunct="1">
+              <a:defRPr sz="1800" kern="1200">
+                <a:solidFill>
+                  <a:schemeClr val="tx1"/>
+                </a:solidFill>
+                <a:latin typeface="+mn-lt"/>
+                <a:ea typeface="+mn-ea"/>
+                <a:cs typeface="+mn-cs"/>
+              </a:defRPr>
+            </a:lvl5pPr>
+            <a:lvl6pPr marL="2286000" algn="l" defTabSz="914400" rtl="0" eaLnBrk="1" latinLnBrk="1" hangingPunct="1">
+              <a:defRPr sz="1800" kern="1200">
+                <a:solidFill>
+                  <a:schemeClr val="tx1"/>
+                </a:solidFill>
+                <a:latin typeface="+mn-lt"/>
+                <a:ea typeface="+mn-ea"/>
+                <a:cs typeface="+mn-cs"/>
+              </a:defRPr>
+            </a:lvl6pPr>
+            <a:lvl7pPr marL="2743200" algn="l" defTabSz="914400" rtl="0" eaLnBrk="1" latinLnBrk="1" hangingPunct="1">
+              <a:defRPr sz="1800" kern="1200">
+                <a:solidFill>
+                  <a:schemeClr val="tx1"/>
+                </a:solidFill>
+                <a:latin typeface="+mn-lt"/>
+                <a:ea typeface="+mn-ea"/>
+                <a:cs typeface="+mn-cs"/>
+              </a:defRPr>
+            </a:lvl7pPr>
+            <a:lvl8pPr marL="3200400" algn="l" defTabSz="914400" rtl="0" eaLnBrk="1" latinLnBrk="1" hangingPunct="1">
+              <a:defRPr sz="1800" kern="1200">
+                <a:solidFill>
+                  <a:schemeClr val="tx1"/>
+                </a:solidFill>
+                <a:latin typeface="+mn-lt"/>
+                <a:ea typeface="+mn-ea"/>
+                <a:cs typeface="+mn-cs"/>
+              </a:defRPr>
+            </a:lvl8pPr>
+            <a:lvl9pPr marL="3657600" algn="l" defTabSz="914400" rtl="0" eaLnBrk="1" latinLnBrk="1" hangingPunct="1">
+              <a:defRPr sz="1800" kern="1200">
+                <a:solidFill>
+                  <a:schemeClr val="tx1"/>
+                </a:solidFill>
+                <a:latin typeface="+mn-lt"/>
+                <a:ea typeface="+mn-ea"/>
+                <a:cs typeface="+mn-cs"/>
+              </a:defRPr>
+            </a:lvl9pPr>
+          </a:lstStyle>
+          <a:p>
+            <a:r>
+              <a:rPr lang="en-US" altLang="ko-KR" sz="1600" b="1" dirty="0">
+                <a:solidFill>
+                  <a:schemeClr val="bg1"/>
+                </a:solidFill>
+              </a:rPr>
+              <a:t>P230</a:t>
+            </a:r>
+            <a:endParaRPr lang="ko-KR" altLang="en-US" sz="1600" b="1" dirty="0">
+              <a:solidFill>
+                <a:schemeClr val="bg1"/>
+              </a:solidFill>
+            </a:endParaRPr>
+          </a:p>
+        </p:txBody>
+      </p:sp>
     </p:spTree>
     <p:extLst>
       <p:ext uri="{BB962C8B-B14F-4D97-AF65-F5344CB8AC3E}">
@@ -12598,6 +12736,144 @@
           </a:prstGeom>
         </p:spPr>
       </p:pic>
+      <p:sp>
+        <p:nvSpPr>
+          <p:cNvPr id="9" name="TextBox 11">
+            <a:extLst>
+              <a:ext uri="{FF2B5EF4-FFF2-40B4-BE49-F238E27FC236}">
+                <a16:creationId xmlns:a16="http://schemas.microsoft.com/office/drawing/2014/main" id="{24150783-6391-4FEE-B9FF-605512695FE2}"/>
+              </a:ext>
+            </a:extLst>
+          </p:cNvPr>
+          <p:cNvSpPr txBox="1"/>
+          <p:nvPr/>
+        </p:nvSpPr>
+        <p:spPr>
+          <a:xfrm>
+            <a:off x="10787421" y="354630"/>
+            <a:ext cx="667170" cy="338554"/>
+          </a:xfrm>
+          <a:prstGeom prst="rect">
+            <a:avLst/>
+          </a:prstGeom>
+          <a:noFill/>
+        </p:spPr>
+        <p:txBody>
+          <a:bodyPr wrap="none" rtlCol="0">
+            <a:spAutoFit/>
+          </a:bodyPr>
+          <a:lstStyle>
+            <a:defPPr>
+              <a:defRPr lang="ko-KR"/>
+            </a:defPPr>
+            <a:lvl1pPr marL="0" algn="l" defTabSz="914400" rtl="0" eaLnBrk="1" latinLnBrk="1" hangingPunct="1">
+              <a:defRPr sz="1800" kern="1200">
+                <a:solidFill>
+                  <a:schemeClr val="tx1"/>
+                </a:solidFill>
+                <a:latin typeface="+mn-lt"/>
+                <a:ea typeface="+mn-ea"/>
+                <a:cs typeface="+mn-cs"/>
+              </a:defRPr>
+            </a:lvl1pPr>
+            <a:lvl2pPr marL="457200" algn="l" defTabSz="914400" rtl="0" eaLnBrk="1" latinLnBrk="1" hangingPunct="1">
+              <a:defRPr sz="1800" kern="1200">
+                <a:solidFill>
+                  <a:schemeClr val="tx1"/>
+                </a:solidFill>
+                <a:latin typeface="+mn-lt"/>
+                <a:ea typeface="+mn-ea"/>
+                <a:cs typeface="+mn-cs"/>
+              </a:defRPr>
+            </a:lvl2pPr>
+            <a:lvl3pPr marL="914400" algn="l" defTabSz="914400" rtl="0" eaLnBrk="1" latinLnBrk="1" hangingPunct="1">
+              <a:defRPr sz="1800" kern="1200">
+                <a:solidFill>
+                  <a:schemeClr val="tx1"/>
+                </a:solidFill>
+                <a:latin typeface="+mn-lt"/>
+                <a:ea typeface="+mn-ea"/>
+                <a:cs typeface="+mn-cs"/>
+              </a:defRPr>
+            </a:lvl3pPr>
+            <a:lvl4pPr marL="1371600" algn="l" defTabSz="914400" rtl="0" eaLnBrk="1" latinLnBrk="1" hangingPunct="1">
+              <a:defRPr sz="1800" kern="1200">
+                <a:solidFill>
+                  <a:schemeClr val="tx1"/>
+                </a:solidFill>
+                <a:latin typeface="+mn-lt"/>
+                <a:ea typeface="+mn-ea"/>
+                <a:cs typeface="+mn-cs"/>
+              </a:defRPr>
+            </a:lvl4pPr>
+            <a:lvl5pPr marL="1828800" algn="l" defTabSz="914400" rtl="0" eaLnBrk="1" latinLnBrk="1" hangingPunct="1">
+              <a:defRPr sz="1800" kern="1200">
+                <a:solidFill>
+                  <a:schemeClr val="tx1"/>
+                </a:solidFill>
+                <a:latin typeface="+mn-lt"/>
+                <a:ea typeface="+mn-ea"/>
+                <a:cs typeface="+mn-cs"/>
+              </a:defRPr>
+            </a:lvl5pPr>
+            <a:lvl6pPr marL="2286000" algn="l" defTabSz="914400" rtl="0" eaLnBrk="1" latinLnBrk="1" hangingPunct="1">
+              <a:defRPr sz="1800" kern="1200">
+                <a:solidFill>
+                  <a:schemeClr val="tx1"/>
+                </a:solidFill>
+                <a:latin typeface="+mn-lt"/>
+                <a:ea typeface="+mn-ea"/>
+                <a:cs typeface="+mn-cs"/>
+              </a:defRPr>
+            </a:lvl6pPr>
+            <a:lvl7pPr marL="2743200" algn="l" defTabSz="914400" rtl="0" eaLnBrk="1" latinLnBrk="1" hangingPunct="1">
+              <a:defRPr sz="1800" kern="1200">
+                <a:solidFill>
+                  <a:schemeClr val="tx1"/>
+                </a:solidFill>
+                <a:latin typeface="+mn-lt"/>
+                <a:ea typeface="+mn-ea"/>
+                <a:cs typeface="+mn-cs"/>
+              </a:defRPr>
+            </a:lvl7pPr>
+            <a:lvl8pPr marL="3200400" algn="l" defTabSz="914400" rtl="0" eaLnBrk="1" latinLnBrk="1" hangingPunct="1">
+              <a:defRPr sz="1800" kern="1200">
+                <a:solidFill>
+                  <a:schemeClr val="tx1"/>
+                </a:solidFill>
+                <a:latin typeface="+mn-lt"/>
+                <a:ea typeface="+mn-ea"/>
+                <a:cs typeface="+mn-cs"/>
+              </a:defRPr>
+            </a:lvl8pPr>
+            <a:lvl9pPr marL="3657600" algn="l" defTabSz="914400" rtl="0" eaLnBrk="1" latinLnBrk="1" hangingPunct="1">
+              <a:defRPr sz="1800" kern="1200">
+                <a:solidFill>
+                  <a:schemeClr val="tx1"/>
+                </a:solidFill>
+                <a:latin typeface="+mn-lt"/>
+                <a:ea typeface="+mn-ea"/>
+                <a:cs typeface="+mn-cs"/>
+              </a:defRPr>
+            </a:lvl9pPr>
+          </a:lstStyle>
+          <a:p>
+            <a:r>
+              <a:rPr lang="en-US" altLang="ko-KR" sz="1600" b="1" dirty="0">
+                <a:solidFill>
+                  <a:schemeClr val="bg1"/>
+                </a:solidFill>
+              </a:rPr>
+              <a:t>P232</a:t>
+            </a:r>
+            <a:endParaRPr lang="ko-KR" altLang="en-US" sz="1600" b="1" dirty="0">
+              <a:solidFill>
+                <a:schemeClr val="bg1"/>
+              </a:solidFill>
+            </a:endParaRPr>
+          </a:p>
+        </p:txBody>
+      </p:sp>
     </p:spTree>
     <p:extLst>
       <p:ext uri="{BB962C8B-B14F-4D97-AF65-F5344CB8AC3E}">
@@ -13975,6 +14251,144 @@
           </a:fontRef>
         </p:style>
       </p:cxnSp>
+      <p:sp>
+        <p:nvSpPr>
+          <p:cNvPr id="14" name="TextBox 11">
+            <a:extLst>
+              <a:ext uri="{FF2B5EF4-FFF2-40B4-BE49-F238E27FC236}">
+                <a16:creationId xmlns:a16="http://schemas.microsoft.com/office/drawing/2014/main" id="{1D57179C-6C65-469C-9B40-A06279AB9EA5}"/>
+              </a:ext>
+            </a:extLst>
+          </p:cNvPr>
+          <p:cNvSpPr txBox="1"/>
+          <p:nvPr/>
+        </p:nvSpPr>
+        <p:spPr>
+          <a:xfrm>
+            <a:off x="10787421" y="354630"/>
+            <a:ext cx="667170" cy="338554"/>
+          </a:xfrm>
+          <a:prstGeom prst="rect">
+            <a:avLst/>
+          </a:prstGeom>
+          <a:noFill/>
+        </p:spPr>
+        <p:txBody>
+          <a:bodyPr wrap="none" rtlCol="0">
+            <a:spAutoFit/>
+          </a:bodyPr>
+          <a:lstStyle>
+            <a:defPPr>
+              <a:defRPr lang="ko-KR"/>
+            </a:defPPr>
+            <a:lvl1pPr marL="0" algn="l" defTabSz="914400" rtl="0" eaLnBrk="1" latinLnBrk="1" hangingPunct="1">
+              <a:defRPr sz="1800" kern="1200">
+                <a:solidFill>
+                  <a:schemeClr val="tx1"/>
+                </a:solidFill>
+                <a:latin typeface="+mn-lt"/>
+                <a:ea typeface="+mn-ea"/>
+                <a:cs typeface="+mn-cs"/>
+              </a:defRPr>
+            </a:lvl1pPr>
+            <a:lvl2pPr marL="457200" algn="l" defTabSz="914400" rtl="0" eaLnBrk="1" latinLnBrk="1" hangingPunct="1">
+              <a:defRPr sz="1800" kern="1200">
+                <a:solidFill>
+                  <a:schemeClr val="tx1"/>
+                </a:solidFill>
+                <a:latin typeface="+mn-lt"/>
+                <a:ea typeface="+mn-ea"/>
+                <a:cs typeface="+mn-cs"/>
+              </a:defRPr>
+            </a:lvl2pPr>
+            <a:lvl3pPr marL="914400" algn="l" defTabSz="914400" rtl="0" eaLnBrk="1" latinLnBrk="1" hangingPunct="1">
+              <a:defRPr sz="1800" kern="1200">
+                <a:solidFill>
+                  <a:schemeClr val="tx1"/>
+                </a:solidFill>
+                <a:latin typeface="+mn-lt"/>
+                <a:ea typeface="+mn-ea"/>
+                <a:cs typeface="+mn-cs"/>
+              </a:defRPr>
+            </a:lvl3pPr>
+            <a:lvl4pPr marL="1371600" algn="l" defTabSz="914400" rtl="0" eaLnBrk="1" latinLnBrk="1" hangingPunct="1">
+              <a:defRPr sz="1800" kern="1200">
+                <a:solidFill>
+                  <a:schemeClr val="tx1"/>
+                </a:solidFill>
+                <a:latin typeface="+mn-lt"/>
+                <a:ea typeface="+mn-ea"/>
+                <a:cs typeface="+mn-cs"/>
+              </a:defRPr>
+            </a:lvl4pPr>
+            <a:lvl5pPr marL="1828800" algn="l" defTabSz="914400" rtl="0" eaLnBrk="1" latinLnBrk="1" hangingPunct="1">
+              <a:defRPr sz="1800" kern="1200">
+                <a:solidFill>
+                  <a:schemeClr val="tx1"/>
+                </a:solidFill>
+                <a:latin typeface="+mn-lt"/>
+                <a:ea typeface="+mn-ea"/>
+                <a:cs typeface="+mn-cs"/>
+              </a:defRPr>
+            </a:lvl5pPr>
+            <a:lvl6pPr marL="2286000" algn="l" defTabSz="914400" rtl="0" eaLnBrk="1" latinLnBrk="1" hangingPunct="1">
+              <a:defRPr sz="1800" kern="1200">
+                <a:solidFill>
+                  <a:schemeClr val="tx1"/>
+                </a:solidFill>
+                <a:latin typeface="+mn-lt"/>
+                <a:ea typeface="+mn-ea"/>
+                <a:cs typeface="+mn-cs"/>
+              </a:defRPr>
+            </a:lvl6pPr>
+            <a:lvl7pPr marL="2743200" algn="l" defTabSz="914400" rtl="0" eaLnBrk="1" latinLnBrk="1" hangingPunct="1">
+              <a:defRPr sz="1800" kern="1200">
+                <a:solidFill>
+                  <a:schemeClr val="tx1"/>
+                </a:solidFill>
+                <a:latin typeface="+mn-lt"/>
+                <a:ea typeface="+mn-ea"/>
+                <a:cs typeface="+mn-cs"/>
+              </a:defRPr>
+            </a:lvl7pPr>
+            <a:lvl8pPr marL="3200400" algn="l" defTabSz="914400" rtl="0" eaLnBrk="1" latinLnBrk="1" hangingPunct="1">
+              <a:defRPr sz="1800" kern="1200">
+                <a:solidFill>
+                  <a:schemeClr val="tx1"/>
+                </a:solidFill>
+                <a:latin typeface="+mn-lt"/>
+                <a:ea typeface="+mn-ea"/>
+                <a:cs typeface="+mn-cs"/>
+              </a:defRPr>
+            </a:lvl8pPr>
+            <a:lvl9pPr marL="3657600" algn="l" defTabSz="914400" rtl="0" eaLnBrk="1" latinLnBrk="1" hangingPunct="1">
+              <a:defRPr sz="1800" kern="1200">
+                <a:solidFill>
+                  <a:schemeClr val="tx1"/>
+                </a:solidFill>
+                <a:latin typeface="+mn-lt"/>
+                <a:ea typeface="+mn-ea"/>
+                <a:cs typeface="+mn-cs"/>
+              </a:defRPr>
+            </a:lvl9pPr>
+          </a:lstStyle>
+          <a:p>
+            <a:r>
+              <a:rPr lang="en-US" altLang="ko-KR" sz="1600" b="1" dirty="0">
+                <a:solidFill>
+                  <a:schemeClr val="bg1"/>
+                </a:solidFill>
+              </a:rPr>
+              <a:t>P234</a:t>
+            </a:r>
+            <a:endParaRPr lang="ko-KR" altLang="en-US" sz="1600" b="1" dirty="0">
+              <a:solidFill>
+                <a:schemeClr val="bg1"/>
+              </a:solidFill>
+            </a:endParaRPr>
+          </a:p>
+        </p:txBody>
+      </p:sp>
     </p:spTree>
     <p:extLst>
       <p:ext uri="{BB962C8B-B14F-4D97-AF65-F5344CB8AC3E}">
@@ -14394,6 +14808,144 @@
           </a:prstGeom>
         </p:spPr>
       </p:pic>
+      <p:sp>
+        <p:nvSpPr>
+          <p:cNvPr id="13" name="TextBox 11">
+            <a:extLst>
+              <a:ext uri="{FF2B5EF4-FFF2-40B4-BE49-F238E27FC236}">
+                <a16:creationId xmlns:a16="http://schemas.microsoft.com/office/drawing/2014/main" id="{DD30A32B-B08A-4A64-8D0A-EBC06BC642D2}"/>
+              </a:ext>
+            </a:extLst>
+          </p:cNvPr>
+          <p:cNvSpPr txBox="1"/>
+          <p:nvPr/>
+        </p:nvSpPr>
+        <p:spPr>
+          <a:xfrm>
+            <a:off x="10787421" y="354630"/>
+            <a:ext cx="667170" cy="338554"/>
+          </a:xfrm>
+          <a:prstGeom prst="rect">
+            <a:avLst/>
+          </a:prstGeom>
+          <a:noFill/>
+        </p:spPr>
+        <p:txBody>
+          <a:bodyPr wrap="none" rtlCol="0">
+            <a:spAutoFit/>
+          </a:bodyPr>
+          <a:lstStyle>
+            <a:defPPr>
+              <a:defRPr lang="ko-KR"/>
+            </a:defPPr>
+            <a:lvl1pPr marL="0" algn="l" defTabSz="914400" rtl="0" eaLnBrk="1" latinLnBrk="1" hangingPunct="1">
+              <a:defRPr sz="1800" kern="1200">
+                <a:solidFill>
+                  <a:schemeClr val="tx1"/>
+                </a:solidFill>
+                <a:latin typeface="+mn-lt"/>
+                <a:ea typeface="+mn-ea"/>
+                <a:cs typeface="+mn-cs"/>
+              </a:defRPr>
+            </a:lvl1pPr>
+            <a:lvl2pPr marL="457200" algn="l" defTabSz="914400" rtl="0" eaLnBrk="1" latinLnBrk="1" hangingPunct="1">
+              <a:defRPr sz="1800" kern="1200">
+                <a:solidFill>
+                  <a:schemeClr val="tx1"/>
+                </a:solidFill>
+                <a:latin typeface="+mn-lt"/>
+                <a:ea typeface="+mn-ea"/>
+                <a:cs typeface="+mn-cs"/>
+              </a:defRPr>
+            </a:lvl2pPr>
+            <a:lvl3pPr marL="914400" algn="l" defTabSz="914400" rtl="0" eaLnBrk="1" latinLnBrk="1" hangingPunct="1">
+              <a:defRPr sz="1800" kern="1200">
+                <a:solidFill>
+                  <a:schemeClr val="tx1"/>
+                </a:solidFill>
+                <a:latin typeface="+mn-lt"/>
+                <a:ea typeface="+mn-ea"/>
+                <a:cs typeface="+mn-cs"/>
+              </a:defRPr>
+            </a:lvl3pPr>
+            <a:lvl4pPr marL="1371600" algn="l" defTabSz="914400" rtl="0" eaLnBrk="1" latinLnBrk="1" hangingPunct="1">
+              <a:defRPr sz="1800" kern="1200">
+                <a:solidFill>
+                  <a:schemeClr val="tx1"/>
+                </a:solidFill>
+                <a:latin typeface="+mn-lt"/>
+                <a:ea typeface="+mn-ea"/>
+                <a:cs typeface="+mn-cs"/>
+              </a:defRPr>
+            </a:lvl4pPr>
+            <a:lvl5pPr marL="1828800" algn="l" defTabSz="914400" rtl="0" eaLnBrk="1" latinLnBrk="1" hangingPunct="1">
+              <a:defRPr sz="1800" kern="1200">
+                <a:solidFill>
+                  <a:schemeClr val="tx1"/>
+                </a:solidFill>
+                <a:latin typeface="+mn-lt"/>
+                <a:ea typeface="+mn-ea"/>
+                <a:cs typeface="+mn-cs"/>
+              </a:defRPr>
+            </a:lvl5pPr>
+            <a:lvl6pPr marL="2286000" algn="l" defTabSz="914400" rtl="0" eaLnBrk="1" latinLnBrk="1" hangingPunct="1">
+              <a:defRPr sz="1800" kern="1200">
+                <a:solidFill>
+                  <a:schemeClr val="tx1"/>
+                </a:solidFill>
+                <a:latin typeface="+mn-lt"/>
+                <a:ea typeface="+mn-ea"/>
+                <a:cs typeface="+mn-cs"/>
+              </a:defRPr>
+            </a:lvl6pPr>
+            <a:lvl7pPr marL="2743200" algn="l" defTabSz="914400" rtl="0" eaLnBrk="1" latinLnBrk="1" hangingPunct="1">
+              <a:defRPr sz="1800" kern="1200">
+                <a:solidFill>
+                  <a:schemeClr val="tx1"/>
+                </a:solidFill>
+                <a:latin typeface="+mn-lt"/>
+                <a:ea typeface="+mn-ea"/>
+                <a:cs typeface="+mn-cs"/>
+              </a:defRPr>
+            </a:lvl7pPr>
+            <a:lvl8pPr marL="3200400" algn="l" defTabSz="914400" rtl="0" eaLnBrk="1" latinLnBrk="1" hangingPunct="1">
+              <a:defRPr sz="1800" kern="1200">
+                <a:solidFill>
+                  <a:schemeClr val="tx1"/>
+                </a:solidFill>
+                <a:latin typeface="+mn-lt"/>
+                <a:ea typeface="+mn-ea"/>
+                <a:cs typeface="+mn-cs"/>
+              </a:defRPr>
+            </a:lvl8pPr>
+            <a:lvl9pPr marL="3657600" algn="l" defTabSz="914400" rtl="0" eaLnBrk="1" latinLnBrk="1" hangingPunct="1">
+              <a:defRPr sz="1800" kern="1200">
+                <a:solidFill>
+                  <a:schemeClr val="tx1"/>
+                </a:solidFill>
+                <a:latin typeface="+mn-lt"/>
+                <a:ea typeface="+mn-ea"/>
+                <a:cs typeface="+mn-cs"/>
+              </a:defRPr>
+            </a:lvl9pPr>
+          </a:lstStyle>
+          <a:p>
+            <a:r>
+              <a:rPr lang="en-US" altLang="ko-KR" sz="1600" b="1" dirty="0">
+                <a:solidFill>
+                  <a:schemeClr val="bg1"/>
+                </a:solidFill>
+              </a:rPr>
+              <a:t>P235</a:t>
+            </a:r>
+            <a:endParaRPr lang="ko-KR" altLang="en-US" sz="1600" b="1" dirty="0">
+              <a:solidFill>
+                <a:schemeClr val="bg1"/>
+              </a:solidFill>
+            </a:endParaRPr>
+          </a:p>
+        </p:txBody>
+      </p:sp>
     </p:spTree>
     <p:extLst>
       <p:ext uri="{BB962C8B-B14F-4D97-AF65-F5344CB8AC3E}">
@@ -16748,6 +17300,144 @@
           </a:prstGeom>
         </p:spPr>
       </p:pic>
+      <p:sp>
+        <p:nvSpPr>
+          <p:cNvPr id="12" name="TextBox 11">
+            <a:extLst>
+              <a:ext uri="{FF2B5EF4-FFF2-40B4-BE49-F238E27FC236}">
+                <a16:creationId xmlns:a16="http://schemas.microsoft.com/office/drawing/2014/main" id="{88C30E07-3362-41C4-9824-C5E577724649}"/>
+              </a:ext>
+            </a:extLst>
+          </p:cNvPr>
+          <p:cNvSpPr txBox="1"/>
+          <p:nvPr/>
+        </p:nvSpPr>
+        <p:spPr>
+          <a:xfrm>
+            <a:off x="10787421" y="354630"/>
+            <a:ext cx="1107996" cy="338554"/>
+          </a:xfrm>
+          <a:prstGeom prst="rect">
+            <a:avLst/>
+          </a:prstGeom>
+          <a:noFill/>
+        </p:spPr>
+        <p:txBody>
+          <a:bodyPr wrap="none" rtlCol="0">
+            <a:spAutoFit/>
+          </a:bodyPr>
+          <a:lstStyle>
+            <a:defPPr>
+              <a:defRPr lang="ko-KR"/>
+            </a:defPPr>
+            <a:lvl1pPr marL="0" algn="l" defTabSz="914400" rtl="0" eaLnBrk="1" latinLnBrk="1" hangingPunct="1">
+              <a:defRPr sz="1800" kern="1200">
+                <a:solidFill>
+                  <a:schemeClr val="tx1"/>
+                </a:solidFill>
+                <a:latin typeface="+mn-lt"/>
+                <a:ea typeface="+mn-ea"/>
+                <a:cs typeface="+mn-cs"/>
+              </a:defRPr>
+            </a:lvl1pPr>
+            <a:lvl2pPr marL="457200" algn="l" defTabSz="914400" rtl="0" eaLnBrk="1" latinLnBrk="1" hangingPunct="1">
+              <a:defRPr sz="1800" kern="1200">
+                <a:solidFill>
+                  <a:schemeClr val="tx1"/>
+                </a:solidFill>
+                <a:latin typeface="+mn-lt"/>
+                <a:ea typeface="+mn-ea"/>
+                <a:cs typeface="+mn-cs"/>
+              </a:defRPr>
+            </a:lvl2pPr>
+            <a:lvl3pPr marL="914400" algn="l" defTabSz="914400" rtl="0" eaLnBrk="1" latinLnBrk="1" hangingPunct="1">
+              <a:defRPr sz="1800" kern="1200">
+                <a:solidFill>
+                  <a:schemeClr val="tx1"/>
+                </a:solidFill>
+                <a:latin typeface="+mn-lt"/>
+                <a:ea typeface="+mn-ea"/>
+                <a:cs typeface="+mn-cs"/>
+              </a:defRPr>
+            </a:lvl3pPr>
+            <a:lvl4pPr marL="1371600" algn="l" defTabSz="914400" rtl="0" eaLnBrk="1" latinLnBrk="1" hangingPunct="1">
+              <a:defRPr sz="1800" kern="1200">
+                <a:solidFill>
+                  <a:schemeClr val="tx1"/>
+                </a:solidFill>
+                <a:latin typeface="+mn-lt"/>
+                <a:ea typeface="+mn-ea"/>
+                <a:cs typeface="+mn-cs"/>
+              </a:defRPr>
+            </a:lvl4pPr>
+            <a:lvl5pPr marL="1828800" algn="l" defTabSz="914400" rtl="0" eaLnBrk="1" latinLnBrk="1" hangingPunct="1">
+              <a:defRPr sz="1800" kern="1200">
+                <a:solidFill>
+                  <a:schemeClr val="tx1"/>
+                </a:solidFill>
+                <a:latin typeface="+mn-lt"/>
+                <a:ea typeface="+mn-ea"/>
+                <a:cs typeface="+mn-cs"/>
+              </a:defRPr>
+            </a:lvl5pPr>
+            <a:lvl6pPr marL="2286000" algn="l" defTabSz="914400" rtl="0" eaLnBrk="1" latinLnBrk="1" hangingPunct="1">
+              <a:defRPr sz="1800" kern="1200">
+                <a:solidFill>
+                  <a:schemeClr val="tx1"/>
+                </a:solidFill>
+                <a:latin typeface="+mn-lt"/>
+                <a:ea typeface="+mn-ea"/>
+                <a:cs typeface="+mn-cs"/>
+              </a:defRPr>
+            </a:lvl6pPr>
+            <a:lvl7pPr marL="2743200" algn="l" defTabSz="914400" rtl="0" eaLnBrk="1" latinLnBrk="1" hangingPunct="1">
+              <a:defRPr sz="1800" kern="1200">
+                <a:solidFill>
+                  <a:schemeClr val="tx1"/>
+                </a:solidFill>
+                <a:latin typeface="+mn-lt"/>
+                <a:ea typeface="+mn-ea"/>
+                <a:cs typeface="+mn-cs"/>
+              </a:defRPr>
+            </a:lvl7pPr>
+            <a:lvl8pPr marL="3200400" algn="l" defTabSz="914400" rtl="0" eaLnBrk="1" latinLnBrk="1" hangingPunct="1">
+              <a:defRPr sz="1800" kern="1200">
+                <a:solidFill>
+                  <a:schemeClr val="tx1"/>
+                </a:solidFill>
+                <a:latin typeface="+mn-lt"/>
+                <a:ea typeface="+mn-ea"/>
+                <a:cs typeface="+mn-cs"/>
+              </a:defRPr>
+            </a:lvl8pPr>
+            <a:lvl9pPr marL="3657600" algn="l" defTabSz="914400" rtl="0" eaLnBrk="1" latinLnBrk="1" hangingPunct="1">
+              <a:defRPr sz="1800" kern="1200">
+                <a:solidFill>
+                  <a:schemeClr val="tx1"/>
+                </a:solidFill>
+                <a:latin typeface="+mn-lt"/>
+                <a:ea typeface="+mn-ea"/>
+                <a:cs typeface="+mn-cs"/>
+              </a:defRPr>
+            </a:lvl9pPr>
+          </a:lstStyle>
+          <a:p>
+            <a:r>
+              <a:rPr lang="en-US" altLang="ko-KR" sz="1600" b="1" dirty="0">
+                <a:solidFill>
+                  <a:schemeClr val="bg1"/>
+                </a:solidFill>
+              </a:rPr>
+              <a:t>P235-236</a:t>
+            </a:r>
+            <a:endParaRPr lang="ko-KR" altLang="en-US" sz="1600" b="1" dirty="0">
+              <a:solidFill>
+                <a:schemeClr val="bg1"/>
+              </a:solidFill>
+            </a:endParaRPr>
+          </a:p>
+        </p:txBody>
+      </p:sp>
     </p:spTree>
     <p:extLst>
       <p:ext uri="{BB962C8B-B14F-4D97-AF65-F5344CB8AC3E}">
@@ -19103,6 +19793,144 @@
           </a:ln>
         </p:spPr>
       </p:pic>
+      <p:sp>
+        <p:nvSpPr>
+          <p:cNvPr id="15" name="TextBox 11">
+            <a:extLst>
+              <a:ext uri="{FF2B5EF4-FFF2-40B4-BE49-F238E27FC236}">
+                <a16:creationId xmlns:a16="http://schemas.microsoft.com/office/drawing/2014/main" id="{BADFAD85-974A-4772-AC41-B5F8C788C5A2}"/>
+              </a:ext>
+            </a:extLst>
+          </p:cNvPr>
+          <p:cNvSpPr txBox="1"/>
+          <p:nvPr/>
+        </p:nvSpPr>
+        <p:spPr>
+          <a:xfrm>
+            <a:off x="10787421" y="354630"/>
+            <a:ext cx="1107996" cy="338554"/>
+          </a:xfrm>
+          <a:prstGeom prst="rect">
+            <a:avLst/>
+          </a:prstGeom>
+          <a:noFill/>
+        </p:spPr>
+        <p:txBody>
+          <a:bodyPr wrap="none" rtlCol="0">
+            <a:spAutoFit/>
+          </a:bodyPr>
+          <a:lstStyle>
+            <a:defPPr>
+              <a:defRPr lang="ko-KR"/>
+            </a:defPPr>
+            <a:lvl1pPr marL="0" algn="l" defTabSz="914400" rtl="0" eaLnBrk="1" latinLnBrk="1" hangingPunct="1">
+              <a:defRPr sz="1800" kern="1200">
+                <a:solidFill>
+                  <a:schemeClr val="tx1"/>
+                </a:solidFill>
+                <a:latin typeface="+mn-lt"/>
+                <a:ea typeface="+mn-ea"/>
+                <a:cs typeface="+mn-cs"/>
+              </a:defRPr>
+            </a:lvl1pPr>
+            <a:lvl2pPr marL="457200" algn="l" defTabSz="914400" rtl="0" eaLnBrk="1" latinLnBrk="1" hangingPunct="1">
+              <a:defRPr sz="1800" kern="1200">
+                <a:solidFill>
+                  <a:schemeClr val="tx1"/>
+                </a:solidFill>
+                <a:latin typeface="+mn-lt"/>
+                <a:ea typeface="+mn-ea"/>
+                <a:cs typeface="+mn-cs"/>
+              </a:defRPr>
+            </a:lvl2pPr>
+            <a:lvl3pPr marL="914400" algn="l" defTabSz="914400" rtl="0" eaLnBrk="1" latinLnBrk="1" hangingPunct="1">
+              <a:defRPr sz="1800" kern="1200">
+                <a:solidFill>
+                  <a:schemeClr val="tx1"/>
+                </a:solidFill>
+                <a:latin typeface="+mn-lt"/>
+                <a:ea typeface="+mn-ea"/>
+                <a:cs typeface="+mn-cs"/>
+              </a:defRPr>
+            </a:lvl3pPr>
+            <a:lvl4pPr marL="1371600" algn="l" defTabSz="914400" rtl="0" eaLnBrk="1" latinLnBrk="1" hangingPunct="1">
+              <a:defRPr sz="1800" kern="1200">
+                <a:solidFill>
+                  <a:schemeClr val="tx1"/>
+                </a:solidFill>
+                <a:latin typeface="+mn-lt"/>
+                <a:ea typeface="+mn-ea"/>
+                <a:cs typeface="+mn-cs"/>
+              </a:defRPr>
+            </a:lvl4pPr>
+            <a:lvl5pPr marL="1828800" algn="l" defTabSz="914400" rtl="0" eaLnBrk="1" latinLnBrk="1" hangingPunct="1">
+              <a:defRPr sz="1800" kern="1200">
+                <a:solidFill>
+                  <a:schemeClr val="tx1"/>
+                </a:solidFill>
+                <a:latin typeface="+mn-lt"/>
+                <a:ea typeface="+mn-ea"/>
+                <a:cs typeface="+mn-cs"/>
+              </a:defRPr>
+            </a:lvl5pPr>
+            <a:lvl6pPr marL="2286000" algn="l" defTabSz="914400" rtl="0" eaLnBrk="1" latinLnBrk="1" hangingPunct="1">
+              <a:defRPr sz="1800" kern="1200">
+                <a:solidFill>
+                  <a:schemeClr val="tx1"/>
+                </a:solidFill>
+                <a:latin typeface="+mn-lt"/>
+                <a:ea typeface="+mn-ea"/>
+                <a:cs typeface="+mn-cs"/>
+              </a:defRPr>
+            </a:lvl6pPr>
+            <a:lvl7pPr marL="2743200" algn="l" defTabSz="914400" rtl="0" eaLnBrk="1" latinLnBrk="1" hangingPunct="1">
+              <a:defRPr sz="1800" kern="1200">
+                <a:solidFill>
+                  <a:schemeClr val="tx1"/>
+                </a:solidFill>
+                <a:latin typeface="+mn-lt"/>
+                <a:ea typeface="+mn-ea"/>
+                <a:cs typeface="+mn-cs"/>
+              </a:defRPr>
+            </a:lvl7pPr>
+            <a:lvl8pPr marL="3200400" algn="l" defTabSz="914400" rtl="0" eaLnBrk="1" latinLnBrk="1" hangingPunct="1">
+              <a:defRPr sz="1800" kern="1200">
+                <a:solidFill>
+                  <a:schemeClr val="tx1"/>
+                </a:solidFill>
+                <a:latin typeface="+mn-lt"/>
+                <a:ea typeface="+mn-ea"/>
+                <a:cs typeface="+mn-cs"/>
+              </a:defRPr>
+            </a:lvl8pPr>
+            <a:lvl9pPr marL="3657600" algn="l" defTabSz="914400" rtl="0" eaLnBrk="1" latinLnBrk="1" hangingPunct="1">
+              <a:defRPr sz="1800" kern="1200">
+                <a:solidFill>
+                  <a:schemeClr val="tx1"/>
+                </a:solidFill>
+                <a:latin typeface="+mn-lt"/>
+                <a:ea typeface="+mn-ea"/>
+                <a:cs typeface="+mn-cs"/>
+              </a:defRPr>
+            </a:lvl9pPr>
+          </a:lstStyle>
+          <a:p>
+            <a:r>
+              <a:rPr lang="en-US" altLang="ko-KR" sz="1600" b="1" dirty="0">
+                <a:solidFill>
+                  <a:schemeClr val="bg1"/>
+                </a:solidFill>
+              </a:rPr>
+              <a:t>P237-238</a:t>
+            </a:r>
+            <a:endParaRPr lang="ko-KR" altLang="en-US" sz="1600" b="1" dirty="0">
+              <a:solidFill>
+                <a:schemeClr val="bg1"/>
+              </a:solidFill>
+            </a:endParaRPr>
+          </a:p>
+        </p:txBody>
+      </p:sp>
     </p:spTree>
     <p:extLst>
       <p:ext uri="{BB962C8B-B14F-4D97-AF65-F5344CB8AC3E}">
@@ -20838,6 +21666,144 @@
           </a:prstGeom>
         </p:spPr>
       </p:pic>
+      <p:sp>
+        <p:nvSpPr>
+          <p:cNvPr id="9" name="TextBox 11">
+            <a:extLst>
+              <a:ext uri="{FF2B5EF4-FFF2-40B4-BE49-F238E27FC236}">
+                <a16:creationId xmlns:a16="http://schemas.microsoft.com/office/drawing/2014/main" id="{222696C4-1B0D-48E1-8C14-FFDA8C904AA4}"/>
+              </a:ext>
+            </a:extLst>
+          </p:cNvPr>
+          <p:cNvSpPr txBox="1"/>
+          <p:nvPr/>
+        </p:nvSpPr>
+        <p:spPr>
+          <a:xfrm>
+            <a:off x="10787421" y="354630"/>
+            <a:ext cx="1107996" cy="338554"/>
+          </a:xfrm>
+          <a:prstGeom prst="rect">
+            <a:avLst/>
+          </a:prstGeom>
+          <a:noFill/>
+        </p:spPr>
+        <p:txBody>
+          <a:bodyPr wrap="none" rtlCol="0">
+            <a:spAutoFit/>
+          </a:bodyPr>
+          <a:lstStyle>
+            <a:defPPr>
+              <a:defRPr lang="ko-KR"/>
+            </a:defPPr>
+            <a:lvl1pPr marL="0" algn="l" defTabSz="914400" rtl="0" eaLnBrk="1" latinLnBrk="1" hangingPunct="1">
+              <a:defRPr sz="1800" kern="1200">
+                <a:solidFill>
+                  <a:schemeClr val="tx1"/>
+                </a:solidFill>
+                <a:latin typeface="+mn-lt"/>
+                <a:ea typeface="+mn-ea"/>
+                <a:cs typeface="+mn-cs"/>
+              </a:defRPr>
+            </a:lvl1pPr>
+            <a:lvl2pPr marL="457200" algn="l" defTabSz="914400" rtl="0" eaLnBrk="1" latinLnBrk="1" hangingPunct="1">
+              <a:defRPr sz="1800" kern="1200">
+                <a:solidFill>
+                  <a:schemeClr val="tx1"/>
+                </a:solidFill>
+                <a:latin typeface="+mn-lt"/>
+                <a:ea typeface="+mn-ea"/>
+                <a:cs typeface="+mn-cs"/>
+              </a:defRPr>
+            </a:lvl2pPr>
+            <a:lvl3pPr marL="914400" algn="l" defTabSz="914400" rtl="0" eaLnBrk="1" latinLnBrk="1" hangingPunct="1">
+              <a:defRPr sz="1800" kern="1200">
+                <a:solidFill>
+                  <a:schemeClr val="tx1"/>
+                </a:solidFill>
+                <a:latin typeface="+mn-lt"/>
+                <a:ea typeface="+mn-ea"/>
+                <a:cs typeface="+mn-cs"/>
+              </a:defRPr>
+            </a:lvl3pPr>
+            <a:lvl4pPr marL="1371600" algn="l" defTabSz="914400" rtl="0" eaLnBrk="1" latinLnBrk="1" hangingPunct="1">
+              <a:defRPr sz="1800" kern="1200">
+                <a:solidFill>
+                  <a:schemeClr val="tx1"/>
+                </a:solidFill>
+                <a:latin typeface="+mn-lt"/>
+                <a:ea typeface="+mn-ea"/>
+                <a:cs typeface="+mn-cs"/>
+              </a:defRPr>
+            </a:lvl4pPr>
+            <a:lvl5pPr marL="1828800" algn="l" defTabSz="914400" rtl="0" eaLnBrk="1" latinLnBrk="1" hangingPunct="1">
+              <a:defRPr sz="1800" kern="1200">
+                <a:solidFill>
+                  <a:schemeClr val="tx1"/>
+                </a:solidFill>
+                <a:latin typeface="+mn-lt"/>
+                <a:ea typeface="+mn-ea"/>
+                <a:cs typeface="+mn-cs"/>
+              </a:defRPr>
+            </a:lvl5pPr>
+            <a:lvl6pPr marL="2286000" algn="l" defTabSz="914400" rtl="0" eaLnBrk="1" latinLnBrk="1" hangingPunct="1">
+              <a:defRPr sz="1800" kern="1200">
+                <a:solidFill>
+                  <a:schemeClr val="tx1"/>
+                </a:solidFill>
+                <a:latin typeface="+mn-lt"/>
+                <a:ea typeface="+mn-ea"/>
+                <a:cs typeface="+mn-cs"/>
+              </a:defRPr>
+            </a:lvl6pPr>
+            <a:lvl7pPr marL="2743200" algn="l" defTabSz="914400" rtl="0" eaLnBrk="1" latinLnBrk="1" hangingPunct="1">
+              <a:defRPr sz="1800" kern="1200">
+                <a:solidFill>
+                  <a:schemeClr val="tx1"/>
+                </a:solidFill>
+                <a:latin typeface="+mn-lt"/>
+                <a:ea typeface="+mn-ea"/>
+                <a:cs typeface="+mn-cs"/>
+              </a:defRPr>
+            </a:lvl7pPr>
+            <a:lvl8pPr marL="3200400" algn="l" defTabSz="914400" rtl="0" eaLnBrk="1" latinLnBrk="1" hangingPunct="1">
+              <a:defRPr sz="1800" kern="1200">
+                <a:solidFill>
+                  <a:schemeClr val="tx1"/>
+                </a:solidFill>
+                <a:latin typeface="+mn-lt"/>
+                <a:ea typeface="+mn-ea"/>
+                <a:cs typeface="+mn-cs"/>
+              </a:defRPr>
+            </a:lvl8pPr>
+            <a:lvl9pPr marL="3657600" algn="l" defTabSz="914400" rtl="0" eaLnBrk="1" latinLnBrk="1" hangingPunct="1">
+              <a:defRPr sz="1800" kern="1200">
+                <a:solidFill>
+                  <a:schemeClr val="tx1"/>
+                </a:solidFill>
+                <a:latin typeface="+mn-lt"/>
+                <a:ea typeface="+mn-ea"/>
+                <a:cs typeface="+mn-cs"/>
+              </a:defRPr>
+            </a:lvl9pPr>
+          </a:lstStyle>
+          <a:p>
+            <a:r>
+              <a:rPr lang="en-US" altLang="ko-KR" sz="1600" b="1" dirty="0">
+                <a:solidFill>
+                  <a:schemeClr val="bg1"/>
+                </a:solidFill>
+              </a:rPr>
+              <a:t>P239-240</a:t>
+            </a:r>
+            <a:endParaRPr lang="ko-KR" altLang="en-US" sz="1600" b="1" dirty="0">
+              <a:solidFill>
+                <a:schemeClr val="bg1"/>
+              </a:solidFill>
+            </a:endParaRPr>
+          </a:p>
+        </p:txBody>
+      </p:sp>
     </p:spTree>
     <p:extLst>
       <p:ext uri="{BB962C8B-B14F-4D97-AF65-F5344CB8AC3E}">
@@ -21073,6 +22039,144 @@
           </a:p>
         </p:txBody>
       </p:sp>
+      <p:sp>
+        <p:nvSpPr>
+          <p:cNvPr id="7" name="TextBox 11">
+            <a:extLst>
+              <a:ext uri="{FF2B5EF4-FFF2-40B4-BE49-F238E27FC236}">
+                <a16:creationId xmlns:a16="http://schemas.microsoft.com/office/drawing/2014/main" id="{D11A2595-DD6D-4454-86AC-0844F2A49D6A}"/>
+              </a:ext>
+            </a:extLst>
+          </p:cNvPr>
+          <p:cNvSpPr txBox="1"/>
+          <p:nvPr/>
+        </p:nvSpPr>
+        <p:spPr>
+          <a:xfrm>
+            <a:off x="10787421" y="354630"/>
+            <a:ext cx="667170" cy="338554"/>
+          </a:xfrm>
+          <a:prstGeom prst="rect">
+            <a:avLst/>
+          </a:prstGeom>
+          <a:noFill/>
+        </p:spPr>
+        <p:txBody>
+          <a:bodyPr wrap="none" rtlCol="0">
+            <a:spAutoFit/>
+          </a:bodyPr>
+          <a:lstStyle>
+            <a:defPPr>
+              <a:defRPr lang="ko-KR"/>
+            </a:defPPr>
+            <a:lvl1pPr marL="0" algn="l" defTabSz="914400" rtl="0" eaLnBrk="1" latinLnBrk="1" hangingPunct="1">
+              <a:defRPr sz="1800" kern="1200">
+                <a:solidFill>
+                  <a:schemeClr val="tx1"/>
+                </a:solidFill>
+                <a:latin typeface="+mn-lt"/>
+                <a:ea typeface="+mn-ea"/>
+                <a:cs typeface="+mn-cs"/>
+              </a:defRPr>
+            </a:lvl1pPr>
+            <a:lvl2pPr marL="457200" algn="l" defTabSz="914400" rtl="0" eaLnBrk="1" latinLnBrk="1" hangingPunct="1">
+              <a:defRPr sz="1800" kern="1200">
+                <a:solidFill>
+                  <a:schemeClr val="tx1"/>
+                </a:solidFill>
+                <a:latin typeface="+mn-lt"/>
+                <a:ea typeface="+mn-ea"/>
+                <a:cs typeface="+mn-cs"/>
+              </a:defRPr>
+            </a:lvl2pPr>
+            <a:lvl3pPr marL="914400" algn="l" defTabSz="914400" rtl="0" eaLnBrk="1" latinLnBrk="1" hangingPunct="1">
+              <a:defRPr sz="1800" kern="1200">
+                <a:solidFill>
+                  <a:schemeClr val="tx1"/>
+                </a:solidFill>
+                <a:latin typeface="+mn-lt"/>
+                <a:ea typeface="+mn-ea"/>
+                <a:cs typeface="+mn-cs"/>
+              </a:defRPr>
+            </a:lvl3pPr>
+            <a:lvl4pPr marL="1371600" algn="l" defTabSz="914400" rtl="0" eaLnBrk="1" latinLnBrk="1" hangingPunct="1">
+              <a:defRPr sz="1800" kern="1200">
+                <a:solidFill>
+                  <a:schemeClr val="tx1"/>
+                </a:solidFill>
+                <a:latin typeface="+mn-lt"/>
+                <a:ea typeface="+mn-ea"/>
+                <a:cs typeface="+mn-cs"/>
+              </a:defRPr>
+            </a:lvl4pPr>
+            <a:lvl5pPr marL="1828800" algn="l" defTabSz="914400" rtl="0" eaLnBrk="1" latinLnBrk="1" hangingPunct="1">
+              <a:defRPr sz="1800" kern="1200">
+                <a:solidFill>
+                  <a:schemeClr val="tx1"/>
+                </a:solidFill>
+                <a:latin typeface="+mn-lt"/>
+                <a:ea typeface="+mn-ea"/>
+                <a:cs typeface="+mn-cs"/>
+              </a:defRPr>
+            </a:lvl5pPr>
+            <a:lvl6pPr marL="2286000" algn="l" defTabSz="914400" rtl="0" eaLnBrk="1" latinLnBrk="1" hangingPunct="1">
+              <a:defRPr sz="1800" kern="1200">
+                <a:solidFill>
+                  <a:schemeClr val="tx1"/>
+                </a:solidFill>
+                <a:latin typeface="+mn-lt"/>
+                <a:ea typeface="+mn-ea"/>
+                <a:cs typeface="+mn-cs"/>
+              </a:defRPr>
+            </a:lvl6pPr>
+            <a:lvl7pPr marL="2743200" algn="l" defTabSz="914400" rtl="0" eaLnBrk="1" latinLnBrk="1" hangingPunct="1">
+              <a:defRPr sz="1800" kern="1200">
+                <a:solidFill>
+                  <a:schemeClr val="tx1"/>
+                </a:solidFill>
+                <a:latin typeface="+mn-lt"/>
+                <a:ea typeface="+mn-ea"/>
+                <a:cs typeface="+mn-cs"/>
+              </a:defRPr>
+            </a:lvl7pPr>
+            <a:lvl8pPr marL="3200400" algn="l" defTabSz="914400" rtl="0" eaLnBrk="1" latinLnBrk="1" hangingPunct="1">
+              <a:defRPr sz="1800" kern="1200">
+                <a:solidFill>
+                  <a:schemeClr val="tx1"/>
+                </a:solidFill>
+                <a:latin typeface="+mn-lt"/>
+                <a:ea typeface="+mn-ea"/>
+                <a:cs typeface="+mn-cs"/>
+              </a:defRPr>
+            </a:lvl8pPr>
+            <a:lvl9pPr marL="3657600" algn="l" defTabSz="914400" rtl="0" eaLnBrk="1" latinLnBrk="1" hangingPunct="1">
+              <a:defRPr sz="1800" kern="1200">
+                <a:solidFill>
+                  <a:schemeClr val="tx1"/>
+                </a:solidFill>
+                <a:latin typeface="+mn-lt"/>
+                <a:ea typeface="+mn-ea"/>
+                <a:cs typeface="+mn-cs"/>
+              </a:defRPr>
+            </a:lvl9pPr>
+          </a:lstStyle>
+          <a:p>
+            <a:r>
+              <a:rPr lang="en-US" altLang="ko-KR" sz="1600" b="1" dirty="0">
+                <a:solidFill>
+                  <a:schemeClr val="bg1"/>
+                </a:solidFill>
+              </a:rPr>
+              <a:t>P241</a:t>
+            </a:r>
+            <a:endParaRPr lang="ko-KR" altLang="en-US" sz="1600" b="1" dirty="0">
+              <a:solidFill>
+                <a:schemeClr val="bg1"/>
+              </a:solidFill>
+            </a:endParaRPr>
+          </a:p>
+        </p:txBody>
+      </p:sp>
     </p:spTree>
     <p:extLst>
       <p:ext uri="{BB962C8B-B14F-4D97-AF65-F5344CB8AC3E}">
@@ -21485,6 +22589,144 @@
           </a:prstGeom>
         </p:spPr>
       </p:pic>
+      <p:sp>
+        <p:nvSpPr>
+          <p:cNvPr id="14" name="TextBox 11">
+            <a:extLst>
+              <a:ext uri="{FF2B5EF4-FFF2-40B4-BE49-F238E27FC236}">
+                <a16:creationId xmlns:a16="http://schemas.microsoft.com/office/drawing/2014/main" id="{20C6F12F-0C08-47F1-AEE6-C1CC44FF81E4}"/>
+              </a:ext>
+            </a:extLst>
+          </p:cNvPr>
+          <p:cNvSpPr txBox="1"/>
+          <p:nvPr/>
+        </p:nvSpPr>
+        <p:spPr>
+          <a:xfrm>
+            <a:off x="10787421" y="354630"/>
+            <a:ext cx="667170" cy="338554"/>
+          </a:xfrm>
+          <a:prstGeom prst="rect">
+            <a:avLst/>
+          </a:prstGeom>
+          <a:noFill/>
+        </p:spPr>
+        <p:txBody>
+          <a:bodyPr wrap="none" rtlCol="0">
+            <a:spAutoFit/>
+          </a:bodyPr>
+          <a:lstStyle>
+            <a:defPPr>
+              <a:defRPr lang="ko-KR"/>
+            </a:defPPr>
+            <a:lvl1pPr marL="0" algn="l" defTabSz="914400" rtl="0" eaLnBrk="1" latinLnBrk="1" hangingPunct="1">
+              <a:defRPr sz="1800" kern="1200">
+                <a:solidFill>
+                  <a:schemeClr val="tx1"/>
+                </a:solidFill>
+                <a:latin typeface="+mn-lt"/>
+                <a:ea typeface="+mn-ea"/>
+                <a:cs typeface="+mn-cs"/>
+              </a:defRPr>
+            </a:lvl1pPr>
+            <a:lvl2pPr marL="457200" algn="l" defTabSz="914400" rtl="0" eaLnBrk="1" latinLnBrk="1" hangingPunct="1">
+              <a:defRPr sz="1800" kern="1200">
+                <a:solidFill>
+                  <a:schemeClr val="tx1"/>
+                </a:solidFill>
+                <a:latin typeface="+mn-lt"/>
+                <a:ea typeface="+mn-ea"/>
+                <a:cs typeface="+mn-cs"/>
+              </a:defRPr>
+            </a:lvl2pPr>
+            <a:lvl3pPr marL="914400" algn="l" defTabSz="914400" rtl="0" eaLnBrk="1" latinLnBrk="1" hangingPunct="1">
+              <a:defRPr sz="1800" kern="1200">
+                <a:solidFill>
+                  <a:schemeClr val="tx1"/>
+                </a:solidFill>
+                <a:latin typeface="+mn-lt"/>
+                <a:ea typeface="+mn-ea"/>
+                <a:cs typeface="+mn-cs"/>
+              </a:defRPr>
+            </a:lvl3pPr>
+            <a:lvl4pPr marL="1371600" algn="l" defTabSz="914400" rtl="0" eaLnBrk="1" latinLnBrk="1" hangingPunct="1">
+              <a:defRPr sz="1800" kern="1200">
+                <a:solidFill>
+                  <a:schemeClr val="tx1"/>
+                </a:solidFill>
+                <a:latin typeface="+mn-lt"/>
+                <a:ea typeface="+mn-ea"/>
+                <a:cs typeface="+mn-cs"/>
+              </a:defRPr>
+            </a:lvl4pPr>
+            <a:lvl5pPr marL="1828800" algn="l" defTabSz="914400" rtl="0" eaLnBrk="1" latinLnBrk="1" hangingPunct="1">
+              <a:defRPr sz="1800" kern="1200">
+                <a:solidFill>
+                  <a:schemeClr val="tx1"/>
+                </a:solidFill>
+                <a:latin typeface="+mn-lt"/>
+                <a:ea typeface="+mn-ea"/>
+                <a:cs typeface="+mn-cs"/>
+              </a:defRPr>
+            </a:lvl5pPr>
+            <a:lvl6pPr marL="2286000" algn="l" defTabSz="914400" rtl="0" eaLnBrk="1" latinLnBrk="1" hangingPunct="1">
+              <a:defRPr sz="1800" kern="1200">
+                <a:solidFill>
+                  <a:schemeClr val="tx1"/>
+                </a:solidFill>
+                <a:latin typeface="+mn-lt"/>
+                <a:ea typeface="+mn-ea"/>
+                <a:cs typeface="+mn-cs"/>
+              </a:defRPr>
+            </a:lvl6pPr>
+            <a:lvl7pPr marL="2743200" algn="l" defTabSz="914400" rtl="0" eaLnBrk="1" latinLnBrk="1" hangingPunct="1">
+              <a:defRPr sz="1800" kern="1200">
+                <a:solidFill>
+                  <a:schemeClr val="tx1"/>
+                </a:solidFill>
+                <a:latin typeface="+mn-lt"/>
+                <a:ea typeface="+mn-ea"/>
+                <a:cs typeface="+mn-cs"/>
+              </a:defRPr>
+            </a:lvl7pPr>
+            <a:lvl8pPr marL="3200400" algn="l" defTabSz="914400" rtl="0" eaLnBrk="1" latinLnBrk="1" hangingPunct="1">
+              <a:defRPr sz="1800" kern="1200">
+                <a:solidFill>
+                  <a:schemeClr val="tx1"/>
+                </a:solidFill>
+                <a:latin typeface="+mn-lt"/>
+                <a:ea typeface="+mn-ea"/>
+                <a:cs typeface="+mn-cs"/>
+              </a:defRPr>
+            </a:lvl8pPr>
+            <a:lvl9pPr marL="3657600" algn="l" defTabSz="914400" rtl="0" eaLnBrk="1" latinLnBrk="1" hangingPunct="1">
+              <a:defRPr sz="1800" kern="1200">
+                <a:solidFill>
+                  <a:schemeClr val="tx1"/>
+                </a:solidFill>
+                <a:latin typeface="+mn-lt"/>
+                <a:ea typeface="+mn-ea"/>
+                <a:cs typeface="+mn-cs"/>
+              </a:defRPr>
+            </a:lvl9pPr>
+          </a:lstStyle>
+          <a:p>
+            <a:r>
+              <a:rPr lang="en-US" altLang="ko-KR" sz="1600" b="1" dirty="0">
+                <a:solidFill>
+                  <a:schemeClr val="bg1"/>
+                </a:solidFill>
+              </a:rPr>
+              <a:t>P247</a:t>
+            </a:r>
+            <a:endParaRPr lang="ko-KR" altLang="en-US" sz="1600" b="1" dirty="0">
+              <a:solidFill>
+                <a:schemeClr val="bg1"/>
+              </a:solidFill>
+            </a:endParaRPr>
+          </a:p>
+        </p:txBody>
+      </p:sp>
     </p:spTree>
     <p:extLst>
       <p:ext uri="{BB962C8B-B14F-4D97-AF65-F5344CB8AC3E}">
@@ -24031,6 +25273,144 @@
           </a:prstGeom>
         </p:spPr>
       </p:pic>
+      <p:sp>
+        <p:nvSpPr>
+          <p:cNvPr id="13" name="TextBox 11">
+            <a:extLst>
+              <a:ext uri="{FF2B5EF4-FFF2-40B4-BE49-F238E27FC236}">
+                <a16:creationId xmlns:a16="http://schemas.microsoft.com/office/drawing/2014/main" id="{ECD2C3F5-2F4F-4B24-BEF4-3B921E7B4C74}"/>
+              </a:ext>
+            </a:extLst>
+          </p:cNvPr>
+          <p:cNvSpPr txBox="1"/>
+          <p:nvPr/>
+        </p:nvSpPr>
+        <p:spPr>
+          <a:xfrm>
+            <a:off x="10787421" y="354630"/>
+            <a:ext cx="1107996" cy="338554"/>
+          </a:xfrm>
+          <a:prstGeom prst="rect">
+            <a:avLst/>
+          </a:prstGeom>
+          <a:noFill/>
+        </p:spPr>
+        <p:txBody>
+          <a:bodyPr wrap="none" rtlCol="0">
+            <a:spAutoFit/>
+          </a:bodyPr>
+          <a:lstStyle>
+            <a:defPPr>
+              <a:defRPr lang="ko-KR"/>
+            </a:defPPr>
+            <a:lvl1pPr marL="0" algn="l" defTabSz="914400" rtl="0" eaLnBrk="1" latinLnBrk="1" hangingPunct="1">
+              <a:defRPr sz="1800" kern="1200">
+                <a:solidFill>
+                  <a:schemeClr val="tx1"/>
+                </a:solidFill>
+                <a:latin typeface="+mn-lt"/>
+                <a:ea typeface="+mn-ea"/>
+                <a:cs typeface="+mn-cs"/>
+              </a:defRPr>
+            </a:lvl1pPr>
+            <a:lvl2pPr marL="457200" algn="l" defTabSz="914400" rtl="0" eaLnBrk="1" latinLnBrk="1" hangingPunct="1">
+              <a:defRPr sz="1800" kern="1200">
+                <a:solidFill>
+                  <a:schemeClr val="tx1"/>
+                </a:solidFill>
+                <a:latin typeface="+mn-lt"/>
+                <a:ea typeface="+mn-ea"/>
+                <a:cs typeface="+mn-cs"/>
+              </a:defRPr>
+            </a:lvl2pPr>
+            <a:lvl3pPr marL="914400" algn="l" defTabSz="914400" rtl="0" eaLnBrk="1" latinLnBrk="1" hangingPunct="1">
+              <a:defRPr sz="1800" kern="1200">
+                <a:solidFill>
+                  <a:schemeClr val="tx1"/>
+                </a:solidFill>
+                <a:latin typeface="+mn-lt"/>
+                <a:ea typeface="+mn-ea"/>
+                <a:cs typeface="+mn-cs"/>
+              </a:defRPr>
+            </a:lvl3pPr>
+            <a:lvl4pPr marL="1371600" algn="l" defTabSz="914400" rtl="0" eaLnBrk="1" latinLnBrk="1" hangingPunct="1">
+              <a:defRPr sz="1800" kern="1200">
+                <a:solidFill>
+                  <a:schemeClr val="tx1"/>
+                </a:solidFill>
+                <a:latin typeface="+mn-lt"/>
+                <a:ea typeface="+mn-ea"/>
+                <a:cs typeface="+mn-cs"/>
+              </a:defRPr>
+            </a:lvl4pPr>
+            <a:lvl5pPr marL="1828800" algn="l" defTabSz="914400" rtl="0" eaLnBrk="1" latinLnBrk="1" hangingPunct="1">
+              <a:defRPr sz="1800" kern="1200">
+                <a:solidFill>
+                  <a:schemeClr val="tx1"/>
+                </a:solidFill>
+                <a:latin typeface="+mn-lt"/>
+                <a:ea typeface="+mn-ea"/>
+                <a:cs typeface="+mn-cs"/>
+              </a:defRPr>
+            </a:lvl5pPr>
+            <a:lvl6pPr marL="2286000" algn="l" defTabSz="914400" rtl="0" eaLnBrk="1" latinLnBrk="1" hangingPunct="1">
+              <a:defRPr sz="1800" kern="1200">
+                <a:solidFill>
+                  <a:schemeClr val="tx1"/>
+                </a:solidFill>
+                <a:latin typeface="+mn-lt"/>
+                <a:ea typeface="+mn-ea"/>
+                <a:cs typeface="+mn-cs"/>
+              </a:defRPr>
+            </a:lvl6pPr>
+            <a:lvl7pPr marL="2743200" algn="l" defTabSz="914400" rtl="0" eaLnBrk="1" latinLnBrk="1" hangingPunct="1">
+              <a:defRPr sz="1800" kern="1200">
+                <a:solidFill>
+                  <a:schemeClr val="tx1"/>
+                </a:solidFill>
+                <a:latin typeface="+mn-lt"/>
+                <a:ea typeface="+mn-ea"/>
+                <a:cs typeface="+mn-cs"/>
+              </a:defRPr>
+            </a:lvl7pPr>
+            <a:lvl8pPr marL="3200400" algn="l" defTabSz="914400" rtl="0" eaLnBrk="1" latinLnBrk="1" hangingPunct="1">
+              <a:defRPr sz="1800" kern="1200">
+                <a:solidFill>
+                  <a:schemeClr val="tx1"/>
+                </a:solidFill>
+                <a:latin typeface="+mn-lt"/>
+                <a:ea typeface="+mn-ea"/>
+                <a:cs typeface="+mn-cs"/>
+              </a:defRPr>
+            </a:lvl8pPr>
+            <a:lvl9pPr marL="3657600" algn="l" defTabSz="914400" rtl="0" eaLnBrk="1" latinLnBrk="1" hangingPunct="1">
+              <a:defRPr sz="1800" kern="1200">
+                <a:solidFill>
+                  <a:schemeClr val="tx1"/>
+                </a:solidFill>
+                <a:latin typeface="+mn-lt"/>
+                <a:ea typeface="+mn-ea"/>
+                <a:cs typeface="+mn-cs"/>
+              </a:defRPr>
+            </a:lvl9pPr>
+          </a:lstStyle>
+          <a:p>
+            <a:r>
+              <a:rPr lang="en-US" altLang="ko-KR" sz="1600" b="1" dirty="0">
+                <a:solidFill>
+                  <a:schemeClr val="bg1"/>
+                </a:solidFill>
+              </a:rPr>
+              <a:t>P249-250</a:t>
+            </a:r>
+            <a:endParaRPr lang="ko-KR" altLang="en-US" sz="1600" b="1" dirty="0">
+              <a:solidFill>
+                <a:schemeClr val="bg1"/>
+              </a:solidFill>
+            </a:endParaRPr>
+          </a:p>
+        </p:txBody>
+      </p:sp>
     </p:spTree>
     <p:extLst>
       <p:ext uri="{BB962C8B-B14F-4D97-AF65-F5344CB8AC3E}">
@@ -24597,6 +25977,144 @@
           </a:p>
         </p:txBody>
       </p:sp>
+      <p:sp>
+        <p:nvSpPr>
+          <p:cNvPr id="16" name="TextBox 11">
+            <a:extLst>
+              <a:ext uri="{FF2B5EF4-FFF2-40B4-BE49-F238E27FC236}">
+                <a16:creationId xmlns:a16="http://schemas.microsoft.com/office/drawing/2014/main" id="{BBC10A42-052E-4F5E-8D2E-FA677FB2D4D2}"/>
+              </a:ext>
+            </a:extLst>
+          </p:cNvPr>
+          <p:cNvSpPr txBox="1"/>
+          <p:nvPr/>
+        </p:nvSpPr>
+        <p:spPr>
+          <a:xfrm>
+            <a:off x="10787421" y="354630"/>
+            <a:ext cx="667170" cy="338554"/>
+          </a:xfrm>
+          <a:prstGeom prst="rect">
+            <a:avLst/>
+          </a:prstGeom>
+          <a:noFill/>
+        </p:spPr>
+        <p:txBody>
+          <a:bodyPr wrap="none" rtlCol="0">
+            <a:spAutoFit/>
+          </a:bodyPr>
+          <a:lstStyle>
+            <a:defPPr>
+              <a:defRPr lang="ko-KR"/>
+            </a:defPPr>
+            <a:lvl1pPr marL="0" algn="l" defTabSz="914400" rtl="0" eaLnBrk="1" latinLnBrk="1" hangingPunct="1">
+              <a:defRPr sz="1800" kern="1200">
+                <a:solidFill>
+                  <a:schemeClr val="tx1"/>
+                </a:solidFill>
+                <a:latin typeface="+mn-lt"/>
+                <a:ea typeface="+mn-ea"/>
+                <a:cs typeface="+mn-cs"/>
+              </a:defRPr>
+            </a:lvl1pPr>
+            <a:lvl2pPr marL="457200" algn="l" defTabSz="914400" rtl="0" eaLnBrk="1" latinLnBrk="1" hangingPunct="1">
+              <a:defRPr sz="1800" kern="1200">
+                <a:solidFill>
+                  <a:schemeClr val="tx1"/>
+                </a:solidFill>
+                <a:latin typeface="+mn-lt"/>
+                <a:ea typeface="+mn-ea"/>
+                <a:cs typeface="+mn-cs"/>
+              </a:defRPr>
+            </a:lvl2pPr>
+            <a:lvl3pPr marL="914400" algn="l" defTabSz="914400" rtl="0" eaLnBrk="1" latinLnBrk="1" hangingPunct="1">
+              <a:defRPr sz="1800" kern="1200">
+                <a:solidFill>
+                  <a:schemeClr val="tx1"/>
+                </a:solidFill>
+                <a:latin typeface="+mn-lt"/>
+                <a:ea typeface="+mn-ea"/>
+                <a:cs typeface="+mn-cs"/>
+              </a:defRPr>
+            </a:lvl3pPr>
+            <a:lvl4pPr marL="1371600" algn="l" defTabSz="914400" rtl="0" eaLnBrk="1" latinLnBrk="1" hangingPunct="1">
+              <a:defRPr sz="1800" kern="1200">
+                <a:solidFill>
+                  <a:schemeClr val="tx1"/>
+                </a:solidFill>
+                <a:latin typeface="+mn-lt"/>
+                <a:ea typeface="+mn-ea"/>
+                <a:cs typeface="+mn-cs"/>
+              </a:defRPr>
+            </a:lvl4pPr>
+            <a:lvl5pPr marL="1828800" algn="l" defTabSz="914400" rtl="0" eaLnBrk="1" latinLnBrk="1" hangingPunct="1">
+              <a:defRPr sz="1800" kern="1200">
+                <a:solidFill>
+                  <a:schemeClr val="tx1"/>
+                </a:solidFill>
+                <a:latin typeface="+mn-lt"/>
+                <a:ea typeface="+mn-ea"/>
+                <a:cs typeface="+mn-cs"/>
+              </a:defRPr>
+            </a:lvl5pPr>
+            <a:lvl6pPr marL="2286000" algn="l" defTabSz="914400" rtl="0" eaLnBrk="1" latinLnBrk="1" hangingPunct="1">
+              <a:defRPr sz="1800" kern="1200">
+                <a:solidFill>
+                  <a:schemeClr val="tx1"/>
+                </a:solidFill>
+                <a:latin typeface="+mn-lt"/>
+                <a:ea typeface="+mn-ea"/>
+                <a:cs typeface="+mn-cs"/>
+              </a:defRPr>
+            </a:lvl6pPr>
+            <a:lvl7pPr marL="2743200" algn="l" defTabSz="914400" rtl="0" eaLnBrk="1" latinLnBrk="1" hangingPunct="1">
+              <a:defRPr sz="1800" kern="1200">
+                <a:solidFill>
+                  <a:schemeClr val="tx1"/>
+                </a:solidFill>
+                <a:latin typeface="+mn-lt"/>
+                <a:ea typeface="+mn-ea"/>
+                <a:cs typeface="+mn-cs"/>
+              </a:defRPr>
+            </a:lvl7pPr>
+            <a:lvl8pPr marL="3200400" algn="l" defTabSz="914400" rtl="0" eaLnBrk="1" latinLnBrk="1" hangingPunct="1">
+              <a:defRPr sz="1800" kern="1200">
+                <a:solidFill>
+                  <a:schemeClr val="tx1"/>
+                </a:solidFill>
+                <a:latin typeface="+mn-lt"/>
+                <a:ea typeface="+mn-ea"/>
+                <a:cs typeface="+mn-cs"/>
+              </a:defRPr>
+            </a:lvl8pPr>
+            <a:lvl9pPr marL="3657600" algn="l" defTabSz="914400" rtl="0" eaLnBrk="1" latinLnBrk="1" hangingPunct="1">
+              <a:defRPr sz="1800" kern="1200">
+                <a:solidFill>
+                  <a:schemeClr val="tx1"/>
+                </a:solidFill>
+                <a:latin typeface="+mn-lt"/>
+                <a:ea typeface="+mn-ea"/>
+                <a:cs typeface="+mn-cs"/>
+              </a:defRPr>
+            </a:lvl9pPr>
+          </a:lstStyle>
+          <a:p>
+            <a:r>
+              <a:rPr lang="en-US" altLang="ko-KR" sz="1600" b="1" dirty="0">
+                <a:solidFill>
+                  <a:schemeClr val="bg1"/>
+                </a:solidFill>
+              </a:rPr>
+              <a:t>P215</a:t>
+            </a:r>
+            <a:endParaRPr lang="ko-KR" altLang="en-US" sz="1600" b="1" dirty="0">
+              <a:solidFill>
+                <a:schemeClr val="bg1"/>
+              </a:solidFill>
+            </a:endParaRPr>
+          </a:p>
+        </p:txBody>
+      </p:sp>
     </p:spTree>
     <p:extLst>
       <p:ext uri="{BB962C8B-B14F-4D97-AF65-F5344CB8AC3E}">
@@ -25597,6 +27115,144 @@
           </a:prstGeom>
         </p:spPr>
       </p:pic>
+      <p:sp>
+        <p:nvSpPr>
+          <p:cNvPr id="13" name="TextBox 11">
+            <a:extLst>
+              <a:ext uri="{FF2B5EF4-FFF2-40B4-BE49-F238E27FC236}">
+                <a16:creationId xmlns:a16="http://schemas.microsoft.com/office/drawing/2014/main" id="{7012A17A-14FB-4BF4-B678-CF2E387E09AD}"/>
+              </a:ext>
+            </a:extLst>
+          </p:cNvPr>
+          <p:cNvSpPr txBox="1"/>
+          <p:nvPr/>
+        </p:nvSpPr>
+        <p:spPr>
+          <a:xfrm>
+            <a:off x="10787421" y="354630"/>
+            <a:ext cx="667170" cy="338554"/>
+          </a:xfrm>
+          <a:prstGeom prst="rect">
+            <a:avLst/>
+          </a:prstGeom>
+          <a:noFill/>
+        </p:spPr>
+        <p:txBody>
+          <a:bodyPr wrap="none" rtlCol="0">
+            <a:spAutoFit/>
+          </a:bodyPr>
+          <a:lstStyle>
+            <a:defPPr>
+              <a:defRPr lang="ko-KR"/>
+            </a:defPPr>
+            <a:lvl1pPr marL="0" algn="l" defTabSz="914400" rtl="0" eaLnBrk="1" latinLnBrk="1" hangingPunct="1">
+              <a:defRPr sz="1800" kern="1200">
+                <a:solidFill>
+                  <a:schemeClr val="tx1"/>
+                </a:solidFill>
+                <a:latin typeface="+mn-lt"/>
+                <a:ea typeface="+mn-ea"/>
+                <a:cs typeface="+mn-cs"/>
+              </a:defRPr>
+            </a:lvl1pPr>
+            <a:lvl2pPr marL="457200" algn="l" defTabSz="914400" rtl="0" eaLnBrk="1" latinLnBrk="1" hangingPunct="1">
+              <a:defRPr sz="1800" kern="1200">
+                <a:solidFill>
+                  <a:schemeClr val="tx1"/>
+                </a:solidFill>
+                <a:latin typeface="+mn-lt"/>
+                <a:ea typeface="+mn-ea"/>
+                <a:cs typeface="+mn-cs"/>
+              </a:defRPr>
+            </a:lvl2pPr>
+            <a:lvl3pPr marL="914400" algn="l" defTabSz="914400" rtl="0" eaLnBrk="1" latinLnBrk="1" hangingPunct="1">
+              <a:defRPr sz="1800" kern="1200">
+                <a:solidFill>
+                  <a:schemeClr val="tx1"/>
+                </a:solidFill>
+                <a:latin typeface="+mn-lt"/>
+                <a:ea typeface="+mn-ea"/>
+                <a:cs typeface="+mn-cs"/>
+              </a:defRPr>
+            </a:lvl3pPr>
+            <a:lvl4pPr marL="1371600" algn="l" defTabSz="914400" rtl="0" eaLnBrk="1" latinLnBrk="1" hangingPunct="1">
+              <a:defRPr sz="1800" kern="1200">
+                <a:solidFill>
+                  <a:schemeClr val="tx1"/>
+                </a:solidFill>
+                <a:latin typeface="+mn-lt"/>
+                <a:ea typeface="+mn-ea"/>
+                <a:cs typeface="+mn-cs"/>
+              </a:defRPr>
+            </a:lvl4pPr>
+            <a:lvl5pPr marL="1828800" algn="l" defTabSz="914400" rtl="0" eaLnBrk="1" latinLnBrk="1" hangingPunct="1">
+              <a:defRPr sz="1800" kern="1200">
+                <a:solidFill>
+                  <a:schemeClr val="tx1"/>
+                </a:solidFill>
+                <a:latin typeface="+mn-lt"/>
+                <a:ea typeface="+mn-ea"/>
+                <a:cs typeface="+mn-cs"/>
+              </a:defRPr>
+            </a:lvl5pPr>
+            <a:lvl6pPr marL="2286000" algn="l" defTabSz="914400" rtl="0" eaLnBrk="1" latinLnBrk="1" hangingPunct="1">
+              <a:defRPr sz="1800" kern="1200">
+                <a:solidFill>
+                  <a:schemeClr val="tx1"/>
+                </a:solidFill>
+                <a:latin typeface="+mn-lt"/>
+                <a:ea typeface="+mn-ea"/>
+                <a:cs typeface="+mn-cs"/>
+              </a:defRPr>
+            </a:lvl6pPr>
+            <a:lvl7pPr marL="2743200" algn="l" defTabSz="914400" rtl="0" eaLnBrk="1" latinLnBrk="1" hangingPunct="1">
+              <a:defRPr sz="1800" kern="1200">
+                <a:solidFill>
+                  <a:schemeClr val="tx1"/>
+                </a:solidFill>
+                <a:latin typeface="+mn-lt"/>
+                <a:ea typeface="+mn-ea"/>
+                <a:cs typeface="+mn-cs"/>
+              </a:defRPr>
+            </a:lvl7pPr>
+            <a:lvl8pPr marL="3200400" algn="l" defTabSz="914400" rtl="0" eaLnBrk="1" latinLnBrk="1" hangingPunct="1">
+              <a:defRPr sz="1800" kern="1200">
+                <a:solidFill>
+                  <a:schemeClr val="tx1"/>
+                </a:solidFill>
+                <a:latin typeface="+mn-lt"/>
+                <a:ea typeface="+mn-ea"/>
+                <a:cs typeface="+mn-cs"/>
+              </a:defRPr>
+            </a:lvl8pPr>
+            <a:lvl9pPr marL="3657600" algn="l" defTabSz="914400" rtl="0" eaLnBrk="1" latinLnBrk="1" hangingPunct="1">
+              <a:defRPr sz="1800" kern="1200">
+                <a:solidFill>
+                  <a:schemeClr val="tx1"/>
+                </a:solidFill>
+                <a:latin typeface="+mn-lt"/>
+                <a:ea typeface="+mn-ea"/>
+                <a:cs typeface="+mn-cs"/>
+              </a:defRPr>
+            </a:lvl9pPr>
+          </a:lstStyle>
+          <a:p>
+            <a:r>
+              <a:rPr lang="en-US" altLang="ko-KR" sz="1600" b="1">
+                <a:solidFill>
+                  <a:schemeClr val="bg1"/>
+                </a:solidFill>
+              </a:rPr>
+              <a:t>P251</a:t>
+            </a:r>
+            <a:endParaRPr lang="ko-KR" altLang="en-US" sz="1600" b="1" dirty="0">
+              <a:solidFill>
+                <a:schemeClr val="bg1"/>
+              </a:solidFill>
+            </a:endParaRPr>
+          </a:p>
+        </p:txBody>
+      </p:sp>
     </p:spTree>
     <p:extLst>
       <p:ext uri="{BB962C8B-B14F-4D97-AF65-F5344CB8AC3E}">
@@ -27231,6 +28887,144 @@
           </a:prstGeom>
         </p:spPr>
       </p:pic>
+      <p:sp>
+        <p:nvSpPr>
+          <p:cNvPr id="11" name="TextBox 11">
+            <a:extLst>
+              <a:ext uri="{FF2B5EF4-FFF2-40B4-BE49-F238E27FC236}">
+                <a16:creationId xmlns:a16="http://schemas.microsoft.com/office/drawing/2014/main" id="{138BCA7A-6725-42A1-B68A-303DEA8BDF1F}"/>
+              </a:ext>
+            </a:extLst>
+          </p:cNvPr>
+          <p:cNvSpPr txBox="1"/>
+          <p:nvPr/>
+        </p:nvSpPr>
+        <p:spPr>
+          <a:xfrm>
+            <a:off x="10787421" y="354630"/>
+            <a:ext cx="667170" cy="338554"/>
+          </a:xfrm>
+          <a:prstGeom prst="rect">
+            <a:avLst/>
+          </a:prstGeom>
+          <a:noFill/>
+        </p:spPr>
+        <p:txBody>
+          <a:bodyPr wrap="none" rtlCol="0">
+            <a:spAutoFit/>
+          </a:bodyPr>
+          <a:lstStyle>
+            <a:defPPr>
+              <a:defRPr lang="ko-KR"/>
+            </a:defPPr>
+            <a:lvl1pPr marL="0" algn="l" defTabSz="914400" rtl="0" eaLnBrk="1" latinLnBrk="1" hangingPunct="1">
+              <a:defRPr sz="1800" kern="1200">
+                <a:solidFill>
+                  <a:schemeClr val="tx1"/>
+                </a:solidFill>
+                <a:latin typeface="+mn-lt"/>
+                <a:ea typeface="+mn-ea"/>
+                <a:cs typeface="+mn-cs"/>
+              </a:defRPr>
+            </a:lvl1pPr>
+            <a:lvl2pPr marL="457200" algn="l" defTabSz="914400" rtl="0" eaLnBrk="1" latinLnBrk="1" hangingPunct="1">
+              <a:defRPr sz="1800" kern="1200">
+                <a:solidFill>
+                  <a:schemeClr val="tx1"/>
+                </a:solidFill>
+                <a:latin typeface="+mn-lt"/>
+                <a:ea typeface="+mn-ea"/>
+                <a:cs typeface="+mn-cs"/>
+              </a:defRPr>
+            </a:lvl2pPr>
+            <a:lvl3pPr marL="914400" algn="l" defTabSz="914400" rtl="0" eaLnBrk="1" latinLnBrk="1" hangingPunct="1">
+              <a:defRPr sz="1800" kern="1200">
+                <a:solidFill>
+                  <a:schemeClr val="tx1"/>
+                </a:solidFill>
+                <a:latin typeface="+mn-lt"/>
+                <a:ea typeface="+mn-ea"/>
+                <a:cs typeface="+mn-cs"/>
+              </a:defRPr>
+            </a:lvl3pPr>
+            <a:lvl4pPr marL="1371600" algn="l" defTabSz="914400" rtl="0" eaLnBrk="1" latinLnBrk="1" hangingPunct="1">
+              <a:defRPr sz="1800" kern="1200">
+                <a:solidFill>
+                  <a:schemeClr val="tx1"/>
+                </a:solidFill>
+                <a:latin typeface="+mn-lt"/>
+                <a:ea typeface="+mn-ea"/>
+                <a:cs typeface="+mn-cs"/>
+              </a:defRPr>
+            </a:lvl4pPr>
+            <a:lvl5pPr marL="1828800" algn="l" defTabSz="914400" rtl="0" eaLnBrk="1" latinLnBrk="1" hangingPunct="1">
+              <a:defRPr sz="1800" kern="1200">
+                <a:solidFill>
+                  <a:schemeClr val="tx1"/>
+                </a:solidFill>
+                <a:latin typeface="+mn-lt"/>
+                <a:ea typeface="+mn-ea"/>
+                <a:cs typeface="+mn-cs"/>
+              </a:defRPr>
+            </a:lvl5pPr>
+            <a:lvl6pPr marL="2286000" algn="l" defTabSz="914400" rtl="0" eaLnBrk="1" latinLnBrk="1" hangingPunct="1">
+              <a:defRPr sz="1800" kern="1200">
+                <a:solidFill>
+                  <a:schemeClr val="tx1"/>
+                </a:solidFill>
+                <a:latin typeface="+mn-lt"/>
+                <a:ea typeface="+mn-ea"/>
+                <a:cs typeface="+mn-cs"/>
+              </a:defRPr>
+            </a:lvl6pPr>
+            <a:lvl7pPr marL="2743200" algn="l" defTabSz="914400" rtl="0" eaLnBrk="1" latinLnBrk="1" hangingPunct="1">
+              <a:defRPr sz="1800" kern="1200">
+                <a:solidFill>
+                  <a:schemeClr val="tx1"/>
+                </a:solidFill>
+                <a:latin typeface="+mn-lt"/>
+                <a:ea typeface="+mn-ea"/>
+                <a:cs typeface="+mn-cs"/>
+              </a:defRPr>
+            </a:lvl7pPr>
+            <a:lvl8pPr marL="3200400" algn="l" defTabSz="914400" rtl="0" eaLnBrk="1" latinLnBrk="1" hangingPunct="1">
+              <a:defRPr sz="1800" kern="1200">
+                <a:solidFill>
+                  <a:schemeClr val="tx1"/>
+                </a:solidFill>
+                <a:latin typeface="+mn-lt"/>
+                <a:ea typeface="+mn-ea"/>
+                <a:cs typeface="+mn-cs"/>
+              </a:defRPr>
+            </a:lvl8pPr>
+            <a:lvl9pPr marL="3657600" algn="l" defTabSz="914400" rtl="0" eaLnBrk="1" latinLnBrk="1" hangingPunct="1">
+              <a:defRPr sz="1800" kern="1200">
+                <a:solidFill>
+                  <a:schemeClr val="tx1"/>
+                </a:solidFill>
+                <a:latin typeface="+mn-lt"/>
+                <a:ea typeface="+mn-ea"/>
+                <a:cs typeface="+mn-cs"/>
+              </a:defRPr>
+            </a:lvl9pPr>
+          </a:lstStyle>
+          <a:p>
+            <a:r>
+              <a:rPr lang="en-US" altLang="ko-KR" sz="1600" b="1" dirty="0">
+                <a:solidFill>
+                  <a:schemeClr val="bg1"/>
+                </a:solidFill>
+              </a:rPr>
+              <a:t>P216</a:t>
+            </a:r>
+            <a:endParaRPr lang="ko-KR" altLang="en-US" sz="1600" b="1" dirty="0">
+              <a:solidFill>
+                <a:schemeClr val="bg1"/>
+              </a:solidFill>
+            </a:endParaRPr>
+          </a:p>
+        </p:txBody>
+      </p:sp>
     </p:spTree>
     <p:extLst>
       <p:ext uri="{BB962C8B-B14F-4D97-AF65-F5344CB8AC3E}">
@@ -28935,6 +30729,144 @@
           </a:prstGeom>
         </p:spPr>
       </p:pic>
+      <p:sp>
+        <p:nvSpPr>
+          <p:cNvPr id="9" name="TextBox 11">
+            <a:extLst>
+              <a:ext uri="{FF2B5EF4-FFF2-40B4-BE49-F238E27FC236}">
+                <a16:creationId xmlns:a16="http://schemas.microsoft.com/office/drawing/2014/main" id="{CC3760E1-E10E-42CA-A6F3-91ABE6B984F5}"/>
+              </a:ext>
+            </a:extLst>
+          </p:cNvPr>
+          <p:cNvSpPr txBox="1"/>
+          <p:nvPr/>
+        </p:nvSpPr>
+        <p:spPr>
+          <a:xfrm>
+            <a:off x="10787421" y="354630"/>
+            <a:ext cx="667170" cy="338554"/>
+          </a:xfrm>
+          <a:prstGeom prst="rect">
+            <a:avLst/>
+          </a:prstGeom>
+          <a:noFill/>
+        </p:spPr>
+        <p:txBody>
+          <a:bodyPr wrap="none" rtlCol="0">
+            <a:spAutoFit/>
+          </a:bodyPr>
+          <a:lstStyle>
+            <a:defPPr>
+              <a:defRPr lang="ko-KR"/>
+            </a:defPPr>
+            <a:lvl1pPr marL="0" algn="l" defTabSz="914400" rtl="0" eaLnBrk="1" latinLnBrk="1" hangingPunct="1">
+              <a:defRPr sz="1800" kern="1200">
+                <a:solidFill>
+                  <a:schemeClr val="tx1"/>
+                </a:solidFill>
+                <a:latin typeface="+mn-lt"/>
+                <a:ea typeface="+mn-ea"/>
+                <a:cs typeface="+mn-cs"/>
+              </a:defRPr>
+            </a:lvl1pPr>
+            <a:lvl2pPr marL="457200" algn="l" defTabSz="914400" rtl="0" eaLnBrk="1" latinLnBrk="1" hangingPunct="1">
+              <a:defRPr sz="1800" kern="1200">
+                <a:solidFill>
+                  <a:schemeClr val="tx1"/>
+                </a:solidFill>
+                <a:latin typeface="+mn-lt"/>
+                <a:ea typeface="+mn-ea"/>
+                <a:cs typeface="+mn-cs"/>
+              </a:defRPr>
+            </a:lvl2pPr>
+            <a:lvl3pPr marL="914400" algn="l" defTabSz="914400" rtl="0" eaLnBrk="1" latinLnBrk="1" hangingPunct="1">
+              <a:defRPr sz="1800" kern="1200">
+                <a:solidFill>
+                  <a:schemeClr val="tx1"/>
+                </a:solidFill>
+                <a:latin typeface="+mn-lt"/>
+                <a:ea typeface="+mn-ea"/>
+                <a:cs typeface="+mn-cs"/>
+              </a:defRPr>
+            </a:lvl3pPr>
+            <a:lvl4pPr marL="1371600" algn="l" defTabSz="914400" rtl="0" eaLnBrk="1" latinLnBrk="1" hangingPunct="1">
+              <a:defRPr sz="1800" kern="1200">
+                <a:solidFill>
+                  <a:schemeClr val="tx1"/>
+                </a:solidFill>
+                <a:latin typeface="+mn-lt"/>
+                <a:ea typeface="+mn-ea"/>
+                <a:cs typeface="+mn-cs"/>
+              </a:defRPr>
+            </a:lvl4pPr>
+            <a:lvl5pPr marL="1828800" algn="l" defTabSz="914400" rtl="0" eaLnBrk="1" latinLnBrk="1" hangingPunct="1">
+              <a:defRPr sz="1800" kern="1200">
+                <a:solidFill>
+                  <a:schemeClr val="tx1"/>
+                </a:solidFill>
+                <a:latin typeface="+mn-lt"/>
+                <a:ea typeface="+mn-ea"/>
+                <a:cs typeface="+mn-cs"/>
+              </a:defRPr>
+            </a:lvl5pPr>
+            <a:lvl6pPr marL="2286000" algn="l" defTabSz="914400" rtl="0" eaLnBrk="1" latinLnBrk="1" hangingPunct="1">
+              <a:defRPr sz="1800" kern="1200">
+                <a:solidFill>
+                  <a:schemeClr val="tx1"/>
+                </a:solidFill>
+                <a:latin typeface="+mn-lt"/>
+                <a:ea typeface="+mn-ea"/>
+                <a:cs typeface="+mn-cs"/>
+              </a:defRPr>
+            </a:lvl6pPr>
+            <a:lvl7pPr marL="2743200" algn="l" defTabSz="914400" rtl="0" eaLnBrk="1" latinLnBrk="1" hangingPunct="1">
+              <a:defRPr sz="1800" kern="1200">
+                <a:solidFill>
+                  <a:schemeClr val="tx1"/>
+                </a:solidFill>
+                <a:latin typeface="+mn-lt"/>
+                <a:ea typeface="+mn-ea"/>
+                <a:cs typeface="+mn-cs"/>
+              </a:defRPr>
+            </a:lvl7pPr>
+            <a:lvl8pPr marL="3200400" algn="l" defTabSz="914400" rtl="0" eaLnBrk="1" latinLnBrk="1" hangingPunct="1">
+              <a:defRPr sz="1800" kern="1200">
+                <a:solidFill>
+                  <a:schemeClr val="tx1"/>
+                </a:solidFill>
+                <a:latin typeface="+mn-lt"/>
+                <a:ea typeface="+mn-ea"/>
+                <a:cs typeface="+mn-cs"/>
+              </a:defRPr>
+            </a:lvl8pPr>
+            <a:lvl9pPr marL="3657600" algn="l" defTabSz="914400" rtl="0" eaLnBrk="1" latinLnBrk="1" hangingPunct="1">
+              <a:defRPr sz="1800" kern="1200">
+                <a:solidFill>
+                  <a:schemeClr val="tx1"/>
+                </a:solidFill>
+                <a:latin typeface="+mn-lt"/>
+                <a:ea typeface="+mn-ea"/>
+                <a:cs typeface="+mn-cs"/>
+              </a:defRPr>
+            </a:lvl9pPr>
+          </a:lstStyle>
+          <a:p>
+            <a:r>
+              <a:rPr lang="en-US" altLang="ko-KR" sz="1600" b="1" dirty="0">
+                <a:solidFill>
+                  <a:schemeClr val="bg1"/>
+                </a:solidFill>
+              </a:rPr>
+              <a:t>P219</a:t>
+            </a:r>
+            <a:endParaRPr lang="ko-KR" altLang="en-US" sz="1600" b="1" dirty="0">
+              <a:solidFill>
+                <a:schemeClr val="bg1"/>
+              </a:solidFill>
+            </a:endParaRPr>
+          </a:p>
+        </p:txBody>
+      </p:sp>
     </p:spTree>
     <p:extLst>
       <p:ext uri="{BB962C8B-B14F-4D97-AF65-F5344CB8AC3E}">
@@ -29582,6 +31514,144 @@
           </a:p>
         </p:txBody>
       </p:sp>
+      <p:sp>
+        <p:nvSpPr>
+          <p:cNvPr id="19" name="TextBox 11">
+            <a:extLst>
+              <a:ext uri="{FF2B5EF4-FFF2-40B4-BE49-F238E27FC236}">
+                <a16:creationId xmlns:a16="http://schemas.microsoft.com/office/drawing/2014/main" id="{EC6F5A89-7438-4A5C-AF37-DDD62830410C}"/>
+              </a:ext>
+            </a:extLst>
+          </p:cNvPr>
+          <p:cNvSpPr txBox="1"/>
+          <p:nvPr/>
+        </p:nvSpPr>
+        <p:spPr>
+          <a:xfrm>
+            <a:off x="10787421" y="354630"/>
+            <a:ext cx="667170" cy="338554"/>
+          </a:xfrm>
+          <a:prstGeom prst="rect">
+            <a:avLst/>
+          </a:prstGeom>
+          <a:noFill/>
+        </p:spPr>
+        <p:txBody>
+          <a:bodyPr wrap="none" rtlCol="0">
+            <a:spAutoFit/>
+          </a:bodyPr>
+          <a:lstStyle>
+            <a:defPPr>
+              <a:defRPr lang="ko-KR"/>
+            </a:defPPr>
+            <a:lvl1pPr marL="0" algn="l" defTabSz="914400" rtl="0" eaLnBrk="1" latinLnBrk="1" hangingPunct="1">
+              <a:defRPr sz="1800" kern="1200">
+                <a:solidFill>
+                  <a:schemeClr val="tx1"/>
+                </a:solidFill>
+                <a:latin typeface="+mn-lt"/>
+                <a:ea typeface="+mn-ea"/>
+                <a:cs typeface="+mn-cs"/>
+              </a:defRPr>
+            </a:lvl1pPr>
+            <a:lvl2pPr marL="457200" algn="l" defTabSz="914400" rtl="0" eaLnBrk="1" latinLnBrk="1" hangingPunct="1">
+              <a:defRPr sz="1800" kern="1200">
+                <a:solidFill>
+                  <a:schemeClr val="tx1"/>
+                </a:solidFill>
+                <a:latin typeface="+mn-lt"/>
+                <a:ea typeface="+mn-ea"/>
+                <a:cs typeface="+mn-cs"/>
+              </a:defRPr>
+            </a:lvl2pPr>
+            <a:lvl3pPr marL="914400" algn="l" defTabSz="914400" rtl="0" eaLnBrk="1" latinLnBrk="1" hangingPunct="1">
+              <a:defRPr sz="1800" kern="1200">
+                <a:solidFill>
+                  <a:schemeClr val="tx1"/>
+                </a:solidFill>
+                <a:latin typeface="+mn-lt"/>
+                <a:ea typeface="+mn-ea"/>
+                <a:cs typeface="+mn-cs"/>
+              </a:defRPr>
+            </a:lvl3pPr>
+            <a:lvl4pPr marL="1371600" algn="l" defTabSz="914400" rtl="0" eaLnBrk="1" latinLnBrk="1" hangingPunct="1">
+              <a:defRPr sz="1800" kern="1200">
+                <a:solidFill>
+                  <a:schemeClr val="tx1"/>
+                </a:solidFill>
+                <a:latin typeface="+mn-lt"/>
+                <a:ea typeface="+mn-ea"/>
+                <a:cs typeface="+mn-cs"/>
+              </a:defRPr>
+            </a:lvl4pPr>
+            <a:lvl5pPr marL="1828800" algn="l" defTabSz="914400" rtl="0" eaLnBrk="1" latinLnBrk="1" hangingPunct="1">
+              <a:defRPr sz="1800" kern="1200">
+                <a:solidFill>
+                  <a:schemeClr val="tx1"/>
+                </a:solidFill>
+                <a:latin typeface="+mn-lt"/>
+                <a:ea typeface="+mn-ea"/>
+                <a:cs typeface="+mn-cs"/>
+              </a:defRPr>
+            </a:lvl5pPr>
+            <a:lvl6pPr marL="2286000" algn="l" defTabSz="914400" rtl="0" eaLnBrk="1" latinLnBrk="1" hangingPunct="1">
+              <a:defRPr sz="1800" kern="1200">
+                <a:solidFill>
+                  <a:schemeClr val="tx1"/>
+                </a:solidFill>
+                <a:latin typeface="+mn-lt"/>
+                <a:ea typeface="+mn-ea"/>
+                <a:cs typeface="+mn-cs"/>
+              </a:defRPr>
+            </a:lvl6pPr>
+            <a:lvl7pPr marL="2743200" algn="l" defTabSz="914400" rtl="0" eaLnBrk="1" latinLnBrk="1" hangingPunct="1">
+              <a:defRPr sz="1800" kern="1200">
+                <a:solidFill>
+                  <a:schemeClr val="tx1"/>
+                </a:solidFill>
+                <a:latin typeface="+mn-lt"/>
+                <a:ea typeface="+mn-ea"/>
+                <a:cs typeface="+mn-cs"/>
+              </a:defRPr>
+            </a:lvl7pPr>
+            <a:lvl8pPr marL="3200400" algn="l" defTabSz="914400" rtl="0" eaLnBrk="1" latinLnBrk="1" hangingPunct="1">
+              <a:defRPr sz="1800" kern="1200">
+                <a:solidFill>
+                  <a:schemeClr val="tx1"/>
+                </a:solidFill>
+                <a:latin typeface="+mn-lt"/>
+                <a:ea typeface="+mn-ea"/>
+                <a:cs typeface="+mn-cs"/>
+              </a:defRPr>
+            </a:lvl8pPr>
+            <a:lvl9pPr marL="3657600" algn="l" defTabSz="914400" rtl="0" eaLnBrk="1" latinLnBrk="1" hangingPunct="1">
+              <a:defRPr sz="1800" kern="1200">
+                <a:solidFill>
+                  <a:schemeClr val="tx1"/>
+                </a:solidFill>
+                <a:latin typeface="+mn-lt"/>
+                <a:ea typeface="+mn-ea"/>
+                <a:cs typeface="+mn-cs"/>
+              </a:defRPr>
+            </a:lvl9pPr>
+          </a:lstStyle>
+          <a:p>
+            <a:r>
+              <a:rPr lang="en-US" altLang="ko-KR" sz="1600" b="1" dirty="0">
+                <a:solidFill>
+                  <a:schemeClr val="bg1"/>
+                </a:solidFill>
+              </a:rPr>
+              <a:t>P220</a:t>
+            </a:r>
+            <a:endParaRPr lang="ko-KR" altLang="en-US" sz="1600" b="1" dirty="0">
+              <a:solidFill>
+                <a:schemeClr val="bg1"/>
+              </a:solidFill>
+            </a:endParaRPr>
+          </a:p>
+        </p:txBody>
+      </p:sp>
     </p:spTree>
     <p:extLst>
       <p:ext uri="{BB962C8B-B14F-4D97-AF65-F5344CB8AC3E}">
@@ -31222,6 +33292,144 @@
           </a:prstGeom>
         </p:spPr>
       </p:pic>
+      <p:sp>
+        <p:nvSpPr>
+          <p:cNvPr id="17" name="TextBox 11">
+            <a:extLst>
+              <a:ext uri="{FF2B5EF4-FFF2-40B4-BE49-F238E27FC236}">
+                <a16:creationId xmlns:a16="http://schemas.microsoft.com/office/drawing/2014/main" id="{27BC21B7-BB97-4175-8B3E-770EE3D859A5}"/>
+              </a:ext>
+            </a:extLst>
+          </p:cNvPr>
+          <p:cNvSpPr txBox="1"/>
+          <p:nvPr/>
+        </p:nvSpPr>
+        <p:spPr>
+          <a:xfrm>
+            <a:off x="10787421" y="354630"/>
+            <a:ext cx="1107996" cy="338554"/>
+          </a:xfrm>
+          <a:prstGeom prst="rect">
+            <a:avLst/>
+          </a:prstGeom>
+          <a:noFill/>
+        </p:spPr>
+        <p:txBody>
+          <a:bodyPr wrap="none" rtlCol="0">
+            <a:spAutoFit/>
+          </a:bodyPr>
+          <a:lstStyle>
+            <a:defPPr>
+              <a:defRPr lang="ko-KR"/>
+            </a:defPPr>
+            <a:lvl1pPr marL="0" algn="l" defTabSz="914400" rtl="0" eaLnBrk="1" latinLnBrk="1" hangingPunct="1">
+              <a:defRPr sz="1800" kern="1200">
+                <a:solidFill>
+                  <a:schemeClr val="tx1"/>
+                </a:solidFill>
+                <a:latin typeface="+mn-lt"/>
+                <a:ea typeface="+mn-ea"/>
+                <a:cs typeface="+mn-cs"/>
+              </a:defRPr>
+            </a:lvl1pPr>
+            <a:lvl2pPr marL="457200" algn="l" defTabSz="914400" rtl="0" eaLnBrk="1" latinLnBrk="1" hangingPunct="1">
+              <a:defRPr sz="1800" kern="1200">
+                <a:solidFill>
+                  <a:schemeClr val="tx1"/>
+                </a:solidFill>
+                <a:latin typeface="+mn-lt"/>
+                <a:ea typeface="+mn-ea"/>
+                <a:cs typeface="+mn-cs"/>
+              </a:defRPr>
+            </a:lvl2pPr>
+            <a:lvl3pPr marL="914400" algn="l" defTabSz="914400" rtl="0" eaLnBrk="1" latinLnBrk="1" hangingPunct="1">
+              <a:defRPr sz="1800" kern="1200">
+                <a:solidFill>
+                  <a:schemeClr val="tx1"/>
+                </a:solidFill>
+                <a:latin typeface="+mn-lt"/>
+                <a:ea typeface="+mn-ea"/>
+                <a:cs typeface="+mn-cs"/>
+              </a:defRPr>
+            </a:lvl3pPr>
+            <a:lvl4pPr marL="1371600" algn="l" defTabSz="914400" rtl="0" eaLnBrk="1" latinLnBrk="1" hangingPunct="1">
+              <a:defRPr sz="1800" kern="1200">
+                <a:solidFill>
+                  <a:schemeClr val="tx1"/>
+                </a:solidFill>
+                <a:latin typeface="+mn-lt"/>
+                <a:ea typeface="+mn-ea"/>
+                <a:cs typeface="+mn-cs"/>
+              </a:defRPr>
+            </a:lvl4pPr>
+            <a:lvl5pPr marL="1828800" algn="l" defTabSz="914400" rtl="0" eaLnBrk="1" latinLnBrk="1" hangingPunct="1">
+              <a:defRPr sz="1800" kern="1200">
+                <a:solidFill>
+                  <a:schemeClr val="tx1"/>
+                </a:solidFill>
+                <a:latin typeface="+mn-lt"/>
+                <a:ea typeface="+mn-ea"/>
+                <a:cs typeface="+mn-cs"/>
+              </a:defRPr>
+            </a:lvl5pPr>
+            <a:lvl6pPr marL="2286000" algn="l" defTabSz="914400" rtl="0" eaLnBrk="1" latinLnBrk="1" hangingPunct="1">
+              <a:defRPr sz="1800" kern="1200">
+                <a:solidFill>
+                  <a:schemeClr val="tx1"/>
+                </a:solidFill>
+                <a:latin typeface="+mn-lt"/>
+                <a:ea typeface="+mn-ea"/>
+                <a:cs typeface="+mn-cs"/>
+              </a:defRPr>
+            </a:lvl6pPr>
+            <a:lvl7pPr marL="2743200" algn="l" defTabSz="914400" rtl="0" eaLnBrk="1" latinLnBrk="1" hangingPunct="1">
+              <a:defRPr sz="1800" kern="1200">
+                <a:solidFill>
+                  <a:schemeClr val="tx1"/>
+                </a:solidFill>
+                <a:latin typeface="+mn-lt"/>
+                <a:ea typeface="+mn-ea"/>
+                <a:cs typeface="+mn-cs"/>
+              </a:defRPr>
+            </a:lvl7pPr>
+            <a:lvl8pPr marL="3200400" algn="l" defTabSz="914400" rtl="0" eaLnBrk="1" latinLnBrk="1" hangingPunct="1">
+              <a:defRPr sz="1800" kern="1200">
+                <a:solidFill>
+                  <a:schemeClr val="tx1"/>
+                </a:solidFill>
+                <a:latin typeface="+mn-lt"/>
+                <a:ea typeface="+mn-ea"/>
+                <a:cs typeface="+mn-cs"/>
+              </a:defRPr>
+            </a:lvl8pPr>
+            <a:lvl9pPr marL="3657600" algn="l" defTabSz="914400" rtl="0" eaLnBrk="1" latinLnBrk="1" hangingPunct="1">
+              <a:defRPr sz="1800" kern="1200">
+                <a:solidFill>
+                  <a:schemeClr val="tx1"/>
+                </a:solidFill>
+                <a:latin typeface="+mn-lt"/>
+                <a:ea typeface="+mn-ea"/>
+                <a:cs typeface="+mn-cs"/>
+              </a:defRPr>
+            </a:lvl9pPr>
+          </a:lstStyle>
+          <a:p>
+            <a:r>
+              <a:rPr lang="en-US" altLang="ko-KR" sz="1600" b="1" dirty="0">
+                <a:solidFill>
+                  <a:schemeClr val="bg1"/>
+                </a:solidFill>
+              </a:rPr>
+              <a:t>P222-223</a:t>
+            </a:r>
+            <a:endParaRPr lang="ko-KR" altLang="en-US" sz="1600" b="1" dirty="0">
+              <a:solidFill>
+                <a:schemeClr val="bg1"/>
+              </a:solidFill>
+            </a:endParaRPr>
+          </a:p>
+        </p:txBody>
+      </p:sp>
     </p:spTree>
     <p:extLst>
       <p:ext uri="{BB962C8B-B14F-4D97-AF65-F5344CB8AC3E}">
@@ -32481,6 +34689,144 @@
           </a:p>
         </p:txBody>
       </p:sp>
+      <p:sp>
+        <p:nvSpPr>
+          <p:cNvPr id="19" name="TextBox 11">
+            <a:extLst>
+              <a:ext uri="{FF2B5EF4-FFF2-40B4-BE49-F238E27FC236}">
+                <a16:creationId xmlns:a16="http://schemas.microsoft.com/office/drawing/2014/main" id="{6ED0F3D4-C3DF-490A-8F72-C8FC983E8D7C}"/>
+              </a:ext>
+            </a:extLst>
+          </p:cNvPr>
+          <p:cNvSpPr txBox="1"/>
+          <p:nvPr/>
+        </p:nvSpPr>
+        <p:spPr>
+          <a:xfrm>
+            <a:off x="10787421" y="354630"/>
+            <a:ext cx="667170" cy="338554"/>
+          </a:xfrm>
+          <a:prstGeom prst="rect">
+            <a:avLst/>
+          </a:prstGeom>
+          <a:noFill/>
+        </p:spPr>
+        <p:txBody>
+          <a:bodyPr wrap="none" rtlCol="0">
+            <a:spAutoFit/>
+          </a:bodyPr>
+          <a:lstStyle>
+            <a:defPPr>
+              <a:defRPr lang="ko-KR"/>
+            </a:defPPr>
+            <a:lvl1pPr marL="0" algn="l" defTabSz="914400" rtl="0" eaLnBrk="1" latinLnBrk="1" hangingPunct="1">
+              <a:defRPr sz="1800" kern="1200">
+                <a:solidFill>
+                  <a:schemeClr val="tx1"/>
+                </a:solidFill>
+                <a:latin typeface="+mn-lt"/>
+                <a:ea typeface="+mn-ea"/>
+                <a:cs typeface="+mn-cs"/>
+              </a:defRPr>
+            </a:lvl1pPr>
+            <a:lvl2pPr marL="457200" algn="l" defTabSz="914400" rtl="0" eaLnBrk="1" latinLnBrk="1" hangingPunct="1">
+              <a:defRPr sz="1800" kern="1200">
+                <a:solidFill>
+                  <a:schemeClr val="tx1"/>
+                </a:solidFill>
+                <a:latin typeface="+mn-lt"/>
+                <a:ea typeface="+mn-ea"/>
+                <a:cs typeface="+mn-cs"/>
+              </a:defRPr>
+            </a:lvl2pPr>
+            <a:lvl3pPr marL="914400" algn="l" defTabSz="914400" rtl="0" eaLnBrk="1" latinLnBrk="1" hangingPunct="1">
+              <a:defRPr sz="1800" kern="1200">
+                <a:solidFill>
+                  <a:schemeClr val="tx1"/>
+                </a:solidFill>
+                <a:latin typeface="+mn-lt"/>
+                <a:ea typeface="+mn-ea"/>
+                <a:cs typeface="+mn-cs"/>
+              </a:defRPr>
+            </a:lvl3pPr>
+            <a:lvl4pPr marL="1371600" algn="l" defTabSz="914400" rtl="0" eaLnBrk="1" latinLnBrk="1" hangingPunct="1">
+              <a:defRPr sz="1800" kern="1200">
+                <a:solidFill>
+                  <a:schemeClr val="tx1"/>
+                </a:solidFill>
+                <a:latin typeface="+mn-lt"/>
+                <a:ea typeface="+mn-ea"/>
+                <a:cs typeface="+mn-cs"/>
+              </a:defRPr>
+            </a:lvl4pPr>
+            <a:lvl5pPr marL="1828800" algn="l" defTabSz="914400" rtl="0" eaLnBrk="1" latinLnBrk="1" hangingPunct="1">
+              <a:defRPr sz="1800" kern="1200">
+                <a:solidFill>
+                  <a:schemeClr val="tx1"/>
+                </a:solidFill>
+                <a:latin typeface="+mn-lt"/>
+                <a:ea typeface="+mn-ea"/>
+                <a:cs typeface="+mn-cs"/>
+              </a:defRPr>
+            </a:lvl5pPr>
+            <a:lvl6pPr marL="2286000" algn="l" defTabSz="914400" rtl="0" eaLnBrk="1" latinLnBrk="1" hangingPunct="1">
+              <a:defRPr sz="1800" kern="1200">
+                <a:solidFill>
+                  <a:schemeClr val="tx1"/>
+                </a:solidFill>
+                <a:latin typeface="+mn-lt"/>
+                <a:ea typeface="+mn-ea"/>
+                <a:cs typeface="+mn-cs"/>
+              </a:defRPr>
+            </a:lvl6pPr>
+            <a:lvl7pPr marL="2743200" algn="l" defTabSz="914400" rtl="0" eaLnBrk="1" latinLnBrk="1" hangingPunct="1">
+              <a:defRPr sz="1800" kern="1200">
+                <a:solidFill>
+                  <a:schemeClr val="tx1"/>
+                </a:solidFill>
+                <a:latin typeface="+mn-lt"/>
+                <a:ea typeface="+mn-ea"/>
+                <a:cs typeface="+mn-cs"/>
+              </a:defRPr>
+            </a:lvl7pPr>
+            <a:lvl8pPr marL="3200400" algn="l" defTabSz="914400" rtl="0" eaLnBrk="1" latinLnBrk="1" hangingPunct="1">
+              <a:defRPr sz="1800" kern="1200">
+                <a:solidFill>
+                  <a:schemeClr val="tx1"/>
+                </a:solidFill>
+                <a:latin typeface="+mn-lt"/>
+                <a:ea typeface="+mn-ea"/>
+                <a:cs typeface="+mn-cs"/>
+              </a:defRPr>
+            </a:lvl8pPr>
+            <a:lvl9pPr marL="3657600" algn="l" defTabSz="914400" rtl="0" eaLnBrk="1" latinLnBrk="1" hangingPunct="1">
+              <a:defRPr sz="1800" kern="1200">
+                <a:solidFill>
+                  <a:schemeClr val="tx1"/>
+                </a:solidFill>
+                <a:latin typeface="+mn-lt"/>
+                <a:ea typeface="+mn-ea"/>
+                <a:cs typeface="+mn-cs"/>
+              </a:defRPr>
+            </a:lvl9pPr>
+          </a:lstStyle>
+          <a:p>
+            <a:r>
+              <a:rPr lang="en-US" altLang="ko-KR" sz="1600" b="1" dirty="0">
+                <a:solidFill>
+                  <a:schemeClr val="bg1"/>
+                </a:solidFill>
+              </a:rPr>
+              <a:t>P224</a:t>
+            </a:r>
+            <a:endParaRPr lang="ko-KR" altLang="en-US" sz="1600" b="1" dirty="0">
+              <a:solidFill>
+                <a:schemeClr val="bg1"/>
+              </a:solidFill>
+            </a:endParaRPr>
+          </a:p>
+        </p:txBody>
+      </p:sp>
     </p:spTree>
     <p:extLst>
       <p:ext uri="{BB962C8B-B14F-4D97-AF65-F5344CB8AC3E}">
@@ -34411,6 +36757,144 @@
           </a:prstGeom>
         </p:spPr>
       </p:pic>
+      <p:sp>
+        <p:nvSpPr>
+          <p:cNvPr id="9" name="TextBox 11">
+            <a:extLst>
+              <a:ext uri="{FF2B5EF4-FFF2-40B4-BE49-F238E27FC236}">
+                <a16:creationId xmlns:a16="http://schemas.microsoft.com/office/drawing/2014/main" id="{4B075077-8F63-4E2B-84E2-65EE4D08A780}"/>
+              </a:ext>
+            </a:extLst>
+          </p:cNvPr>
+          <p:cNvSpPr txBox="1"/>
+          <p:nvPr/>
+        </p:nvSpPr>
+        <p:spPr>
+          <a:xfrm>
+            <a:off x="10787421" y="354630"/>
+            <a:ext cx="667170" cy="338554"/>
+          </a:xfrm>
+          <a:prstGeom prst="rect">
+            <a:avLst/>
+          </a:prstGeom>
+          <a:noFill/>
+        </p:spPr>
+        <p:txBody>
+          <a:bodyPr wrap="none" rtlCol="0">
+            <a:spAutoFit/>
+          </a:bodyPr>
+          <a:lstStyle>
+            <a:defPPr>
+              <a:defRPr lang="ko-KR"/>
+            </a:defPPr>
+            <a:lvl1pPr marL="0" algn="l" defTabSz="914400" rtl="0" eaLnBrk="1" latinLnBrk="1" hangingPunct="1">
+              <a:defRPr sz="1800" kern="1200">
+                <a:solidFill>
+                  <a:schemeClr val="tx1"/>
+                </a:solidFill>
+                <a:latin typeface="+mn-lt"/>
+                <a:ea typeface="+mn-ea"/>
+                <a:cs typeface="+mn-cs"/>
+              </a:defRPr>
+            </a:lvl1pPr>
+            <a:lvl2pPr marL="457200" algn="l" defTabSz="914400" rtl="0" eaLnBrk="1" latinLnBrk="1" hangingPunct="1">
+              <a:defRPr sz="1800" kern="1200">
+                <a:solidFill>
+                  <a:schemeClr val="tx1"/>
+                </a:solidFill>
+                <a:latin typeface="+mn-lt"/>
+                <a:ea typeface="+mn-ea"/>
+                <a:cs typeface="+mn-cs"/>
+              </a:defRPr>
+            </a:lvl2pPr>
+            <a:lvl3pPr marL="914400" algn="l" defTabSz="914400" rtl="0" eaLnBrk="1" latinLnBrk="1" hangingPunct="1">
+              <a:defRPr sz="1800" kern="1200">
+                <a:solidFill>
+                  <a:schemeClr val="tx1"/>
+                </a:solidFill>
+                <a:latin typeface="+mn-lt"/>
+                <a:ea typeface="+mn-ea"/>
+                <a:cs typeface="+mn-cs"/>
+              </a:defRPr>
+            </a:lvl3pPr>
+            <a:lvl4pPr marL="1371600" algn="l" defTabSz="914400" rtl="0" eaLnBrk="1" latinLnBrk="1" hangingPunct="1">
+              <a:defRPr sz="1800" kern="1200">
+                <a:solidFill>
+                  <a:schemeClr val="tx1"/>
+                </a:solidFill>
+                <a:latin typeface="+mn-lt"/>
+                <a:ea typeface="+mn-ea"/>
+                <a:cs typeface="+mn-cs"/>
+              </a:defRPr>
+            </a:lvl4pPr>
+            <a:lvl5pPr marL="1828800" algn="l" defTabSz="914400" rtl="0" eaLnBrk="1" latinLnBrk="1" hangingPunct="1">
+              <a:defRPr sz="1800" kern="1200">
+                <a:solidFill>
+                  <a:schemeClr val="tx1"/>
+                </a:solidFill>
+                <a:latin typeface="+mn-lt"/>
+                <a:ea typeface="+mn-ea"/>
+                <a:cs typeface="+mn-cs"/>
+              </a:defRPr>
+            </a:lvl5pPr>
+            <a:lvl6pPr marL="2286000" algn="l" defTabSz="914400" rtl="0" eaLnBrk="1" latinLnBrk="1" hangingPunct="1">
+              <a:defRPr sz="1800" kern="1200">
+                <a:solidFill>
+                  <a:schemeClr val="tx1"/>
+                </a:solidFill>
+                <a:latin typeface="+mn-lt"/>
+                <a:ea typeface="+mn-ea"/>
+                <a:cs typeface="+mn-cs"/>
+              </a:defRPr>
+            </a:lvl6pPr>
+            <a:lvl7pPr marL="2743200" algn="l" defTabSz="914400" rtl="0" eaLnBrk="1" latinLnBrk="1" hangingPunct="1">
+              <a:defRPr sz="1800" kern="1200">
+                <a:solidFill>
+                  <a:schemeClr val="tx1"/>
+                </a:solidFill>
+                <a:latin typeface="+mn-lt"/>
+                <a:ea typeface="+mn-ea"/>
+                <a:cs typeface="+mn-cs"/>
+              </a:defRPr>
+            </a:lvl7pPr>
+            <a:lvl8pPr marL="3200400" algn="l" defTabSz="914400" rtl="0" eaLnBrk="1" latinLnBrk="1" hangingPunct="1">
+              <a:defRPr sz="1800" kern="1200">
+                <a:solidFill>
+                  <a:schemeClr val="tx1"/>
+                </a:solidFill>
+                <a:latin typeface="+mn-lt"/>
+                <a:ea typeface="+mn-ea"/>
+                <a:cs typeface="+mn-cs"/>
+              </a:defRPr>
+            </a:lvl8pPr>
+            <a:lvl9pPr marL="3657600" algn="l" defTabSz="914400" rtl="0" eaLnBrk="1" latinLnBrk="1" hangingPunct="1">
+              <a:defRPr sz="1800" kern="1200">
+                <a:solidFill>
+                  <a:schemeClr val="tx1"/>
+                </a:solidFill>
+                <a:latin typeface="+mn-lt"/>
+                <a:ea typeface="+mn-ea"/>
+                <a:cs typeface="+mn-cs"/>
+              </a:defRPr>
+            </a:lvl9pPr>
+          </a:lstStyle>
+          <a:p>
+            <a:r>
+              <a:rPr lang="en-US" altLang="ko-KR" sz="1600" b="1" dirty="0">
+                <a:solidFill>
+                  <a:schemeClr val="bg1"/>
+                </a:solidFill>
+              </a:rPr>
+              <a:t>P228</a:t>
+            </a:r>
+            <a:endParaRPr lang="ko-KR" altLang="en-US" sz="1600" b="1" dirty="0">
+              <a:solidFill>
+                <a:schemeClr val="bg1"/>
+              </a:solidFill>
+            </a:endParaRPr>
+          </a:p>
+        </p:txBody>
+      </p:sp>
     </p:spTree>
     <p:extLst>
       <p:ext uri="{BB962C8B-B14F-4D97-AF65-F5344CB8AC3E}">
@@ -34686,6 +37170,144 @@
           </a:prstGeom>
         </p:spPr>
       </p:pic>
+      <p:sp>
+        <p:nvSpPr>
+          <p:cNvPr id="9" name="TextBox 11">
+            <a:extLst>
+              <a:ext uri="{FF2B5EF4-FFF2-40B4-BE49-F238E27FC236}">
+                <a16:creationId xmlns:a16="http://schemas.microsoft.com/office/drawing/2014/main" id="{3F57DD90-CADB-4B25-B6C6-20E3C372487A}"/>
+              </a:ext>
+            </a:extLst>
+          </p:cNvPr>
+          <p:cNvSpPr txBox="1"/>
+          <p:nvPr/>
+        </p:nvSpPr>
+        <p:spPr>
+          <a:xfrm>
+            <a:off x="10787421" y="354630"/>
+            <a:ext cx="667170" cy="338554"/>
+          </a:xfrm>
+          <a:prstGeom prst="rect">
+            <a:avLst/>
+          </a:prstGeom>
+          <a:noFill/>
+        </p:spPr>
+        <p:txBody>
+          <a:bodyPr wrap="none" rtlCol="0">
+            <a:spAutoFit/>
+          </a:bodyPr>
+          <a:lstStyle>
+            <a:defPPr>
+              <a:defRPr lang="ko-KR"/>
+            </a:defPPr>
+            <a:lvl1pPr marL="0" algn="l" defTabSz="914400" rtl="0" eaLnBrk="1" latinLnBrk="1" hangingPunct="1">
+              <a:defRPr sz="1800" kern="1200">
+                <a:solidFill>
+                  <a:schemeClr val="tx1"/>
+                </a:solidFill>
+                <a:latin typeface="+mn-lt"/>
+                <a:ea typeface="+mn-ea"/>
+                <a:cs typeface="+mn-cs"/>
+              </a:defRPr>
+            </a:lvl1pPr>
+            <a:lvl2pPr marL="457200" algn="l" defTabSz="914400" rtl="0" eaLnBrk="1" latinLnBrk="1" hangingPunct="1">
+              <a:defRPr sz="1800" kern="1200">
+                <a:solidFill>
+                  <a:schemeClr val="tx1"/>
+                </a:solidFill>
+                <a:latin typeface="+mn-lt"/>
+                <a:ea typeface="+mn-ea"/>
+                <a:cs typeface="+mn-cs"/>
+              </a:defRPr>
+            </a:lvl2pPr>
+            <a:lvl3pPr marL="914400" algn="l" defTabSz="914400" rtl="0" eaLnBrk="1" latinLnBrk="1" hangingPunct="1">
+              <a:defRPr sz="1800" kern="1200">
+                <a:solidFill>
+                  <a:schemeClr val="tx1"/>
+                </a:solidFill>
+                <a:latin typeface="+mn-lt"/>
+                <a:ea typeface="+mn-ea"/>
+                <a:cs typeface="+mn-cs"/>
+              </a:defRPr>
+            </a:lvl3pPr>
+            <a:lvl4pPr marL="1371600" algn="l" defTabSz="914400" rtl="0" eaLnBrk="1" latinLnBrk="1" hangingPunct="1">
+              <a:defRPr sz="1800" kern="1200">
+                <a:solidFill>
+                  <a:schemeClr val="tx1"/>
+                </a:solidFill>
+                <a:latin typeface="+mn-lt"/>
+                <a:ea typeface="+mn-ea"/>
+                <a:cs typeface="+mn-cs"/>
+              </a:defRPr>
+            </a:lvl4pPr>
+            <a:lvl5pPr marL="1828800" algn="l" defTabSz="914400" rtl="0" eaLnBrk="1" latinLnBrk="1" hangingPunct="1">
+              <a:defRPr sz="1800" kern="1200">
+                <a:solidFill>
+                  <a:schemeClr val="tx1"/>
+                </a:solidFill>
+                <a:latin typeface="+mn-lt"/>
+                <a:ea typeface="+mn-ea"/>
+                <a:cs typeface="+mn-cs"/>
+              </a:defRPr>
+            </a:lvl5pPr>
+            <a:lvl6pPr marL="2286000" algn="l" defTabSz="914400" rtl="0" eaLnBrk="1" latinLnBrk="1" hangingPunct="1">
+              <a:defRPr sz="1800" kern="1200">
+                <a:solidFill>
+                  <a:schemeClr val="tx1"/>
+                </a:solidFill>
+                <a:latin typeface="+mn-lt"/>
+                <a:ea typeface="+mn-ea"/>
+                <a:cs typeface="+mn-cs"/>
+              </a:defRPr>
+            </a:lvl6pPr>
+            <a:lvl7pPr marL="2743200" algn="l" defTabSz="914400" rtl="0" eaLnBrk="1" latinLnBrk="1" hangingPunct="1">
+              <a:defRPr sz="1800" kern="1200">
+                <a:solidFill>
+                  <a:schemeClr val="tx1"/>
+                </a:solidFill>
+                <a:latin typeface="+mn-lt"/>
+                <a:ea typeface="+mn-ea"/>
+                <a:cs typeface="+mn-cs"/>
+              </a:defRPr>
+            </a:lvl7pPr>
+            <a:lvl8pPr marL="3200400" algn="l" defTabSz="914400" rtl="0" eaLnBrk="1" latinLnBrk="1" hangingPunct="1">
+              <a:defRPr sz="1800" kern="1200">
+                <a:solidFill>
+                  <a:schemeClr val="tx1"/>
+                </a:solidFill>
+                <a:latin typeface="+mn-lt"/>
+                <a:ea typeface="+mn-ea"/>
+                <a:cs typeface="+mn-cs"/>
+              </a:defRPr>
+            </a:lvl8pPr>
+            <a:lvl9pPr marL="3657600" algn="l" defTabSz="914400" rtl="0" eaLnBrk="1" latinLnBrk="1" hangingPunct="1">
+              <a:defRPr sz="1800" kern="1200">
+                <a:solidFill>
+                  <a:schemeClr val="tx1"/>
+                </a:solidFill>
+                <a:latin typeface="+mn-lt"/>
+                <a:ea typeface="+mn-ea"/>
+                <a:cs typeface="+mn-cs"/>
+              </a:defRPr>
+            </a:lvl9pPr>
+          </a:lstStyle>
+          <a:p>
+            <a:r>
+              <a:rPr lang="en-US" altLang="ko-KR" sz="1600" b="1" dirty="0">
+                <a:solidFill>
+                  <a:schemeClr val="bg1"/>
+                </a:solidFill>
+              </a:rPr>
+              <a:t>P229</a:t>
+            </a:r>
+            <a:endParaRPr lang="ko-KR" altLang="en-US" sz="1600" b="1" dirty="0">
+              <a:solidFill>
+                <a:schemeClr val="bg1"/>
+              </a:solidFill>
+            </a:endParaRPr>
+          </a:p>
+        </p:txBody>
+      </p:sp>
     </p:spTree>
     <p:extLst>
       <p:ext uri="{BB962C8B-B14F-4D97-AF65-F5344CB8AC3E}">
